--- a/UI 아키텍처 설계-안종훈.pptx
+++ b/UI 아키텍처 설계-안종훈.pptx
@@ -2882,6 +2882,14 @@
         </dgm:presLayoutVars>
       </dgm:prSet>
       <dgm:spPr/>
+      <dgm:t>
+        <a:bodyPr/>
+        <a:lstStyle/>
+        <a:p>
+          <a:pPr latinLnBrk="1"/>
+          <a:endParaRPr lang="ko-KR" altLang="en-US"/>
+        </a:p>
+      </dgm:t>
     </dgm:pt>
     <dgm:pt modelId="{DE2E59A4-ADE0-4FFC-B5B0-1246A2E4F0F1}" type="pres">
       <dgm:prSet presAssocID="{463D6B1A-BB59-4F8F-88D1-A323A5F9FE8C}" presName="root1" presStyleCnt="0"/>
@@ -2910,10 +2918,26 @@
     <dgm:pt modelId="{A430A9BF-CFBE-45DD-9654-32271C59C9A7}" type="pres">
       <dgm:prSet presAssocID="{4371B9F5-E2D5-4334-9A76-323F4BC0D15C}" presName="conn2-1" presStyleLbl="parChTrans1D2" presStyleIdx="0" presStyleCnt="3"/>
       <dgm:spPr/>
+      <dgm:t>
+        <a:bodyPr/>
+        <a:lstStyle/>
+        <a:p>
+          <a:pPr latinLnBrk="1"/>
+          <a:endParaRPr lang="ko-KR" altLang="en-US"/>
+        </a:p>
+      </dgm:t>
     </dgm:pt>
     <dgm:pt modelId="{51BEAAB0-6139-4B5D-9A36-114D319C94AE}" type="pres">
       <dgm:prSet presAssocID="{4371B9F5-E2D5-4334-9A76-323F4BC0D15C}" presName="connTx" presStyleLbl="parChTrans1D2" presStyleIdx="0" presStyleCnt="3"/>
       <dgm:spPr/>
+      <dgm:t>
+        <a:bodyPr/>
+        <a:lstStyle/>
+        <a:p>
+          <a:pPr latinLnBrk="1"/>
+          <a:endParaRPr lang="ko-KR" altLang="en-US"/>
+        </a:p>
+      </dgm:t>
     </dgm:pt>
     <dgm:pt modelId="{0D0E5620-37DB-41B9-949E-4E520EECE504}" type="pres">
       <dgm:prSet presAssocID="{1454669D-F9E0-41AE-868B-627B3145495A}" presName="root2" presStyleCnt="0"/>
@@ -2942,10 +2966,26 @@
     <dgm:pt modelId="{2490F3D1-B1C7-425A-A496-6C6348E5807F}" type="pres">
       <dgm:prSet presAssocID="{B6583440-AF11-44BC-BBC9-752D077B6211}" presName="conn2-1" presStyleLbl="parChTrans1D3" presStyleIdx="0" presStyleCnt="6"/>
       <dgm:spPr/>
+      <dgm:t>
+        <a:bodyPr/>
+        <a:lstStyle/>
+        <a:p>
+          <a:pPr latinLnBrk="1"/>
+          <a:endParaRPr lang="ko-KR" altLang="en-US"/>
+        </a:p>
+      </dgm:t>
     </dgm:pt>
     <dgm:pt modelId="{C3DECFED-8207-44A4-8436-7A53AECB2934}" type="pres">
       <dgm:prSet presAssocID="{B6583440-AF11-44BC-BBC9-752D077B6211}" presName="connTx" presStyleLbl="parChTrans1D3" presStyleIdx="0" presStyleCnt="6"/>
       <dgm:spPr/>
+      <dgm:t>
+        <a:bodyPr/>
+        <a:lstStyle/>
+        <a:p>
+          <a:pPr latinLnBrk="1"/>
+          <a:endParaRPr lang="ko-KR" altLang="en-US"/>
+        </a:p>
+      </dgm:t>
     </dgm:pt>
     <dgm:pt modelId="{EA045A73-E8BC-4207-8536-337F8BBF6541}" type="pres">
       <dgm:prSet presAssocID="{FEB1A705-132A-4140-9B2F-EC79BF90CBBA}" presName="root2" presStyleCnt="0"/>
@@ -2958,6 +2998,14 @@
         </dgm:presLayoutVars>
       </dgm:prSet>
       <dgm:spPr/>
+      <dgm:t>
+        <a:bodyPr/>
+        <a:lstStyle/>
+        <a:p>
+          <a:pPr latinLnBrk="1"/>
+          <a:endParaRPr lang="ko-KR" altLang="en-US"/>
+        </a:p>
+      </dgm:t>
     </dgm:pt>
     <dgm:pt modelId="{777E841E-DBF8-42F3-AC96-6A83AE9F5A84}" type="pres">
       <dgm:prSet presAssocID="{FEB1A705-132A-4140-9B2F-EC79BF90CBBA}" presName="level3hierChild" presStyleCnt="0"/>
@@ -2966,10 +3014,26 @@
     <dgm:pt modelId="{7AFC6679-040B-4A57-A213-72CEF0858644}" type="pres">
       <dgm:prSet presAssocID="{CAAD4225-72FC-4EBF-A65C-0E38F043D9A9}" presName="conn2-1" presStyleLbl="parChTrans1D3" presStyleIdx="1" presStyleCnt="6"/>
       <dgm:spPr/>
+      <dgm:t>
+        <a:bodyPr/>
+        <a:lstStyle/>
+        <a:p>
+          <a:pPr latinLnBrk="1"/>
+          <a:endParaRPr lang="ko-KR" altLang="en-US"/>
+        </a:p>
+      </dgm:t>
     </dgm:pt>
     <dgm:pt modelId="{9B3C6582-681B-4F0B-9D1D-26CDA8682A43}" type="pres">
       <dgm:prSet presAssocID="{CAAD4225-72FC-4EBF-A65C-0E38F043D9A9}" presName="connTx" presStyleLbl="parChTrans1D3" presStyleIdx="1" presStyleCnt="6"/>
       <dgm:spPr/>
+      <dgm:t>
+        <a:bodyPr/>
+        <a:lstStyle/>
+        <a:p>
+          <a:pPr latinLnBrk="1"/>
+          <a:endParaRPr lang="ko-KR" altLang="en-US"/>
+        </a:p>
+      </dgm:t>
     </dgm:pt>
     <dgm:pt modelId="{B9CE58DF-BBEA-474C-ACD3-8505211F2AF3}" type="pres">
       <dgm:prSet presAssocID="{72573C3A-E14B-4349-949D-959BCB2F54BA}" presName="root2" presStyleCnt="0"/>
@@ -2998,10 +3062,26 @@
     <dgm:pt modelId="{76E4C2F7-CE0A-45C0-B3A8-8DB1C95933C3}" type="pres">
       <dgm:prSet presAssocID="{7D14F62D-9BF1-41E6-8FE8-94345005E141}" presName="conn2-1" presStyleLbl="parChTrans1D2" presStyleIdx="1" presStyleCnt="3"/>
       <dgm:spPr/>
+      <dgm:t>
+        <a:bodyPr/>
+        <a:lstStyle/>
+        <a:p>
+          <a:pPr latinLnBrk="1"/>
+          <a:endParaRPr lang="ko-KR" altLang="en-US"/>
+        </a:p>
+      </dgm:t>
     </dgm:pt>
     <dgm:pt modelId="{1CF84322-52E1-4BAA-A388-729403AB0147}" type="pres">
       <dgm:prSet presAssocID="{7D14F62D-9BF1-41E6-8FE8-94345005E141}" presName="connTx" presStyleLbl="parChTrans1D2" presStyleIdx="1" presStyleCnt="3"/>
       <dgm:spPr/>
+      <dgm:t>
+        <a:bodyPr/>
+        <a:lstStyle/>
+        <a:p>
+          <a:pPr latinLnBrk="1"/>
+          <a:endParaRPr lang="ko-KR" altLang="en-US"/>
+        </a:p>
+      </dgm:t>
     </dgm:pt>
     <dgm:pt modelId="{E8B5AA7A-93DF-4135-BC27-504FA6B7B646}" type="pres">
       <dgm:prSet presAssocID="{EC3401F3-A19F-4344-8018-29EB20FF741D}" presName="root2" presStyleCnt="0"/>
@@ -3030,10 +3110,26 @@
     <dgm:pt modelId="{FA83AABE-0819-45ED-A40C-ABFFC9EA5E5A}" type="pres">
       <dgm:prSet presAssocID="{BCA2BB2B-AEA4-4B87-857F-4E8B5BC619D1}" presName="conn2-1" presStyleLbl="parChTrans1D3" presStyleIdx="2" presStyleCnt="6"/>
       <dgm:spPr/>
+      <dgm:t>
+        <a:bodyPr/>
+        <a:lstStyle/>
+        <a:p>
+          <a:pPr latinLnBrk="1"/>
+          <a:endParaRPr lang="ko-KR" altLang="en-US"/>
+        </a:p>
+      </dgm:t>
     </dgm:pt>
     <dgm:pt modelId="{B102BF12-68C4-412D-BEF9-E28EFB72112A}" type="pres">
       <dgm:prSet presAssocID="{BCA2BB2B-AEA4-4B87-857F-4E8B5BC619D1}" presName="connTx" presStyleLbl="parChTrans1D3" presStyleIdx="2" presStyleCnt="6"/>
       <dgm:spPr/>
+      <dgm:t>
+        <a:bodyPr/>
+        <a:lstStyle/>
+        <a:p>
+          <a:pPr latinLnBrk="1"/>
+          <a:endParaRPr lang="ko-KR" altLang="en-US"/>
+        </a:p>
+      </dgm:t>
     </dgm:pt>
     <dgm:pt modelId="{FC8BD74A-0E0A-4C33-A036-E127D0F1915A}" type="pres">
       <dgm:prSet presAssocID="{9AFDEA11-1B03-4B74-9096-2D19D0A1EFC4}" presName="root2" presStyleCnt="0"/>
@@ -3046,6 +3142,14 @@
         </dgm:presLayoutVars>
       </dgm:prSet>
       <dgm:spPr/>
+      <dgm:t>
+        <a:bodyPr/>
+        <a:lstStyle/>
+        <a:p>
+          <a:pPr latinLnBrk="1"/>
+          <a:endParaRPr lang="ko-KR" altLang="en-US"/>
+        </a:p>
+      </dgm:t>
     </dgm:pt>
     <dgm:pt modelId="{FC7C0C1D-3682-41AE-B705-30717D02410E}" type="pres">
       <dgm:prSet presAssocID="{9AFDEA11-1B03-4B74-9096-2D19D0A1EFC4}" presName="level3hierChild" presStyleCnt="0"/>
@@ -3054,10 +3158,26 @@
     <dgm:pt modelId="{1BE9AF5A-C478-4D15-8594-EE4B1FB6D08E}" type="pres">
       <dgm:prSet presAssocID="{B8D42E6F-39B3-4424-8C5D-33D55756F961}" presName="conn2-1" presStyleLbl="parChTrans1D3" presStyleIdx="3" presStyleCnt="6"/>
       <dgm:spPr/>
+      <dgm:t>
+        <a:bodyPr/>
+        <a:lstStyle/>
+        <a:p>
+          <a:pPr latinLnBrk="1"/>
+          <a:endParaRPr lang="ko-KR" altLang="en-US"/>
+        </a:p>
+      </dgm:t>
     </dgm:pt>
     <dgm:pt modelId="{9ABB2FF7-1039-40D9-B9C4-F072928F7071}" type="pres">
       <dgm:prSet presAssocID="{B8D42E6F-39B3-4424-8C5D-33D55756F961}" presName="connTx" presStyleLbl="parChTrans1D3" presStyleIdx="3" presStyleCnt="6"/>
       <dgm:spPr/>
+      <dgm:t>
+        <a:bodyPr/>
+        <a:lstStyle/>
+        <a:p>
+          <a:pPr latinLnBrk="1"/>
+          <a:endParaRPr lang="ko-KR" altLang="en-US"/>
+        </a:p>
+      </dgm:t>
     </dgm:pt>
     <dgm:pt modelId="{E961BE30-3757-4471-B8DD-584128FE2CED}" type="pres">
       <dgm:prSet presAssocID="{3FC16F49-A106-481C-A1D2-DA396082B3FB}" presName="root2" presStyleCnt="0"/>
@@ -3086,10 +3206,26 @@
     <dgm:pt modelId="{EF9770C2-8922-4B9C-B118-000B9C5242C0}" type="pres">
       <dgm:prSet presAssocID="{B454FCA5-90CD-4022-9C46-2E126D3E125A}" presName="conn2-1" presStyleLbl="parChTrans1D2" presStyleIdx="2" presStyleCnt="3"/>
       <dgm:spPr/>
+      <dgm:t>
+        <a:bodyPr/>
+        <a:lstStyle/>
+        <a:p>
+          <a:pPr latinLnBrk="1"/>
+          <a:endParaRPr lang="ko-KR" altLang="en-US"/>
+        </a:p>
+      </dgm:t>
     </dgm:pt>
     <dgm:pt modelId="{824D610A-6C58-4ABF-8444-C3014CD33E05}" type="pres">
       <dgm:prSet presAssocID="{B454FCA5-90CD-4022-9C46-2E126D3E125A}" presName="connTx" presStyleLbl="parChTrans1D2" presStyleIdx="2" presStyleCnt="3"/>
       <dgm:spPr/>
+      <dgm:t>
+        <a:bodyPr/>
+        <a:lstStyle/>
+        <a:p>
+          <a:pPr latinLnBrk="1"/>
+          <a:endParaRPr lang="ko-KR" altLang="en-US"/>
+        </a:p>
+      </dgm:t>
     </dgm:pt>
     <dgm:pt modelId="{2529E1EF-3DD3-4C72-AF54-B00C7979ACA8}" type="pres">
       <dgm:prSet presAssocID="{C6DA1C08-69AC-4E7B-AAAF-C03BDA07FF79}" presName="root2" presStyleCnt="0"/>
@@ -3118,10 +3254,26 @@
     <dgm:pt modelId="{502315A6-F7B3-470E-9AA1-BF41E542EEE5}" type="pres">
       <dgm:prSet presAssocID="{838104B5-7A2B-43D5-8A8E-7E324312102C}" presName="conn2-1" presStyleLbl="parChTrans1D3" presStyleIdx="4" presStyleCnt="6"/>
       <dgm:spPr/>
+      <dgm:t>
+        <a:bodyPr/>
+        <a:lstStyle/>
+        <a:p>
+          <a:pPr latinLnBrk="1"/>
+          <a:endParaRPr lang="ko-KR" altLang="en-US"/>
+        </a:p>
+      </dgm:t>
     </dgm:pt>
     <dgm:pt modelId="{A9CB5960-6B36-4623-A8E4-8F88B8B7DB9D}" type="pres">
       <dgm:prSet presAssocID="{838104B5-7A2B-43D5-8A8E-7E324312102C}" presName="connTx" presStyleLbl="parChTrans1D3" presStyleIdx="4" presStyleCnt="6"/>
       <dgm:spPr/>
+      <dgm:t>
+        <a:bodyPr/>
+        <a:lstStyle/>
+        <a:p>
+          <a:pPr latinLnBrk="1"/>
+          <a:endParaRPr lang="ko-KR" altLang="en-US"/>
+        </a:p>
+      </dgm:t>
     </dgm:pt>
     <dgm:pt modelId="{EAEDFD87-1E7E-46F5-97F5-BFF329ECCB70}" type="pres">
       <dgm:prSet presAssocID="{D18B5DAC-F858-453A-82FC-C0E1A910BD2B}" presName="root2" presStyleCnt="0"/>
@@ -3150,10 +3302,26 @@
     <dgm:pt modelId="{D1E8F139-3512-4187-9741-7D1170C146A0}" type="pres">
       <dgm:prSet presAssocID="{DB832A94-C8B3-433D-A98F-1FFE5AC16557}" presName="conn2-1" presStyleLbl="parChTrans1D3" presStyleIdx="5" presStyleCnt="6"/>
       <dgm:spPr/>
+      <dgm:t>
+        <a:bodyPr/>
+        <a:lstStyle/>
+        <a:p>
+          <a:pPr latinLnBrk="1"/>
+          <a:endParaRPr lang="ko-KR" altLang="en-US"/>
+        </a:p>
+      </dgm:t>
     </dgm:pt>
     <dgm:pt modelId="{5CA46CA8-7A90-4B58-8C88-6DC3B94EF9E3}" type="pres">
       <dgm:prSet presAssocID="{DB832A94-C8B3-433D-A98F-1FFE5AC16557}" presName="connTx" presStyleLbl="parChTrans1D3" presStyleIdx="5" presStyleCnt="6"/>
       <dgm:spPr/>
+      <dgm:t>
+        <a:bodyPr/>
+        <a:lstStyle/>
+        <a:p>
+          <a:pPr latinLnBrk="1"/>
+          <a:endParaRPr lang="ko-KR" altLang="en-US"/>
+        </a:p>
+      </dgm:t>
     </dgm:pt>
     <dgm:pt modelId="{A5EEF5A8-A5EF-4B23-9D95-E34944A289DC}" type="pres">
       <dgm:prSet presAssocID="{D94998F3-5186-4FE1-B8CD-93495207B940}" presName="root2" presStyleCnt="0"/>
@@ -3166,6 +3334,14 @@
         </dgm:presLayoutVars>
       </dgm:prSet>
       <dgm:spPr/>
+      <dgm:t>
+        <a:bodyPr/>
+        <a:lstStyle/>
+        <a:p>
+          <a:pPr latinLnBrk="1"/>
+          <a:endParaRPr lang="ko-KR" altLang="en-US"/>
+        </a:p>
+      </dgm:t>
     </dgm:pt>
     <dgm:pt modelId="{59C2F816-8159-4404-A5D5-B7764CEBE27E}" type="pres">
       <dgm:prSet presAssocID="{D94998F3-5186-4FE1-B8CD-93495207B940}" presName="level3hierChild" presStyleCnt="0"/>
@@ -3183,8 +3359,8 @@
     <dgm:cxn modelId="{868EEA80-3EE1-4D72-AFB1-FF523173F8A0}" type="presOf" srcId="{FEB1A705-132A-4140-9B2F-EC79BF90CBBA}" destId="{724410C3-6165-468F-9964-DFC69748108B}" srcOrd="0" destOrd="0" presId="urn:microsoft.com/office/officeart/2005/8/layout/hierarchy2"/>
     <dgm:cxn modelId="{36372C6B-AC88-4E7B-BB87-F017047E6508}" type="presOf" srcId="{DB832A94-C8B3-433D-A98F-1FFE5AC16557}" destId="{5CA46CA8-7A90-4B58-8C88-6DC3B94EF9E3}" srcOrd="1" destOrd="0" presId="urn:microsoft.com/office/officeart/2005/8/layout/hierarchy2"/>
     <dgm:cxn modelId="{15C75966-5251-4F94-A63B-A23763471C39}" type="presOf" srcId="{4371B9F5-E2D5-4334-9A76-323F4BC0D15C}" destId="{51BEAAB0-6139-4B5D-9A36-114D319C94AE}" srcOrd="1" destOrd="0" presId="urn:microsoft.com/office/officeart/2005/8/layout/hierarchy2"/>
+    <dgm:cxn modelId="{B5BAEBE9-48AD-4899-953A-BF7D53D86D61}" type="presOf" srcId="{B6583440-AF11-44BC-BBC9-752D077B6211}" destId="{2490F3D1-B1C7-425A-A496-6C6348E5807F}" srcOrd="0" destOrd="0" presId="urn:microsoft.com/office/officeart/2005/8/layout/hierarchy2"/>
     <dgm:cxn modelId="{C475AA71-D550-4950-87DB-88BBB8EF8DC2}" srcId="{C6DA1C08-69AC-4E7B-AAAF-C03BDA07FF79}" destId="{D94998F3-5186-4FE1-B8CD-93495207B940}" srcOrd="1" destOrd="0" parTransId="{DB832A94-C8B3-433D-A98F-1FFE5AC16557}" sibTransId="{E04182B3-2A9E-4439-A98F-76751E1150D3}"/>
-    <dgm:cxn modelId="{B5BAEBE9-48AD-4899-953A-BF7D53D86D61}" type="presOf" srcId="{B6583440-AF11-44BC-BBC9-752D077B6211}" destId="{2490F3D1-B1C7-425A-A496-6C6348E5807F}" srcOrd="0" destOrd="0" presId="urn:microsoft.com/office/officeart/2005/8/layout/hierarchy2"/>
     <dgm:cxn modelId="{1EF4CF09-515F-40A9-87C6-FAB631352F1B}" type="presOf" srcId="{4371B9F5-E2D5-4334-9A76-323F4BC0D15C}" destId="{A430A9BF-CFBE-45DD-9654-32271C59C9A7}" srcOrd="0" destOrd="0" presId="urn:microsoft.com/office/officeart/2005/8/layout/hierarchy2"/>
     <dgm:cxn modelId="{14417901-DA0F-404B-8155-DD33D70DF88C}" type="presOf" srcId="{CAAD4225-72FC-4EBF-A65C-0E38F043D9A9}" destId="{7AFC6679-040B-4A57-A213-72CEF0858644}" srcOrd="0" destOrd="0" presId="urn:microsoft.com/office/officeart/2005/8/layout/hierarchy2"/>
     <dgm:cxn modelId="{C9F518ED-650F-4C74-9289-99D420EE5185}" srcId="{1454669D-F9E0-41AE-868B-627B3145495A}" destId="{72573C3A-E14B-4349-949D-959BCB2F54BA}" srcOrd="1" destOrd="0" parTransId="{CAAD4225-72FC-4EBF-A65C-0E38F043D9A9}" sibTransId="{27FC74B7-3ADA-4D14-A939-C2F101FB0824}"/>
@@ -3657,6 +3833,14 @@
         </dgm:presLayoutVars>
       </dgm:prSet>
       <dgm:spPr/>
+      <dgm:t>
+        <a:bodyPr/>
+        <a:lstStyle/>
+        <a:p>
+          <a:pPr latinLnBrk="1"/>
+          <a:endParaRPr lang="ko-KR" altLang="en-US"/>
+        </a:p>
+      </dgm:t>
     </dgm:pt>
     <dgm:pt modelId="{DE2E59A4-ADE0-4FFC-B5B0-1246A2E4F0F1}" type="pres">
       <dgm:prSet presAssocID="{463D6B1A-BB59-4F8F-88D1-A323A5F9FE8C}" presName="root1" presStyleCnt="0"/>
@@ -3669,6 +3853,14 @@
         </dgm:presLayoutVars>
       </dgm:prSet>
       <dgm:spPr/>
+      <dgm:t>
+        <a:bodyPr/>
+        <a:lstStyle/>
+        <a:p>
+          <a:pPr latinLnBrk="1"/>
+          <a:endParaRPr lang="ko-KR" altLang="en-US"/>
+        </a:p>
+      </dgm:t>
     </dgm:pt>
     <dgm:pt modelId="{998C3244-E9B6-4B13-8A07-2B46BC71CDE8}" type="pres">
       <dgm:prSet presAssocID="{463D6B1A-BB59-4F8F-88D1-A323A5F9FE8C}" presName="level2hierChild" presStyleCnt="0"/>
@@ -3677,10 +3869,26 @@
     <dgm:pt modelId="{A430A9BF-CFBE-45DD-9654-32271C59C9A7}" type="pres">
       <dgm:prSet presAssocID="{4371B9F5-E2D5-4334-9A76-323F4BC0D15C}" presName="conn2-1" presStyleLbl="parChTrans1D2" presStyleIdx="0" presStyleCnt="3"/>
       <dgm:spPr/>
+      <dgm:t>
+        <a:bodyPr/>
+        <a:lstStyle/>
+        <a:p>
+          <a:pPr latinLnBrk="1"/>
+          <a:endParaRPr lang="ko-KR" altLang="en-US"/>
+        </a:p>
+      </dgm:t>
     </dgm:pt>
     <dgm:pt modelId="{51BEAAB0-6139-4B5D-9A36-114D319C94AE}" type="pres">
       <dgm:prSet presAssocID="{4371B9F5-E2D5-4334-9A76-323F4BC0D15C}" presName="connTx" presStyleLbl="parChTrans1D2" presStyleIdx="0" presStyleCnt="3"/>
       <dgm:spPr/>
+      <dgm:t>
+        <a:bodyPr/>
+        <a:lstStyle/>
+        <a:p>
+          <a:pPr latinLnBrk="1"/>
+          <a:endParaRPr lang="ko-KR" altLang="en-US"/>
+        </a:p>
+      </dgm:t>
     </dgm:pt>
     <dgm:pt modelId="{0D0E5620-37DB-41B9-949E-4E520EECE504}" type="pres">
       <dgm:prSet presAssocID="{1454669D-F9E0-41AE-868B-627B3145495A}" presName="root2" presStyleCnt="0"/>
@@ -3693,6 +3901,14 @@
         </dgm:presLayoutVars>
       </dgm:prSet>
       <dgm:spPr/>
+      <dgm:t>
+        <a:bodyPr/>
+        <a:lstStyle/>
+        <a:p>
+          <a:pPr latinLnBrk="1"/>
+          <a:endParaRPr lang="ko-KR" altLang="en-US"/>
+        </a:p>
+      </dgm:t>
     </dgm:pt>
     <dgm:pt modelId="{BE1A16A7-BBEC-4673-A97C-A2D3253DF088}" type="pres">
       <dgm:prSet presAssocID="{1454669D-F9E0-41AE-868B-627B3145495A}" presName="level3hierChild" presStyleCnt="0"/>
@@ -3701,10 +3917,26 @@
     <dgm:pt modelId="{2490F3D1-B1C7-425A-A496-6C6348E5807F}" type="pres">
       <dgm:prSet presAssocID="{B6583440-AF11-44BC-BBC9-752D077B6211}" presName="conn2-1" presStyleLbl="parChTrans1D3" presStyleIdx="0" presStyleCnt="6"/>
       <dgm:spPr/>
+      <dgm:t>
+        <a:bodyPr/>
+        <a:lstStyle/>
+        <a:p>
+          <a:pPr latinLnBrk="1"/>
+          <a:endParaRPr lang="ko-KR" altLang="en-US"/>
+        </a:p>
+      </dgm:t>
     </dgm:pt>
     <dgm:pt modelId="{C3DECFED-8207-44A4-8436-7A53AECB2934}" type="pres">
       <dgm:prSet presAssocID="{B6583440-AF11-44BC-BBC9-752D077B6211}" presName="connTx" presStyleLbl="parChTrans1D3" presStyleIdx="0" presStyleCnt="6"/>
       <dgm:spPr/>
+      <dgm:t>
+        <a:bodyPr/>
+        <a:lstStyle/>
+        <a:p>
+          <a:pPr latinLnBrk="1"/>
+          <a:endParaRPr lang="ko-KR" altLang="en-US"/>
+        </a:p>
+      </dgm:t>
     </dgm:pt>
     <dgm:pt modelId="{EA045A73-E8BC-4207-8536-337F8BBF6541}" type="pres">
       <dgm:prSet presAssocID="{FEB1A705-132A-4140-9B2F-EC79BF90CBBA}" presName="root2" presStyleCnt="0"/>
@@ -3717,6 +3949,14 @@
         </dgm:presLayoutVars>
       </dgm:prSet>
       <dgm:spPr/>
+      <dgm:t>
+        <a:bodyPr/>
+        <a:lstStyle/>
+        <a:p>
+          <a:pPr latinLnBrk="1"/>
+          <a:endParaRPr lang="ko-KR" altLang="en-US"/>
+        </a:p>
+      </dgm:t>
     </dgm:pt>
     <dgm:pt modelId="{777E841E-DBF8-42F3-AC96-6A83AE9F5A84}" type="pres">
       <dgm:prSet presAssocID="{FEB1A705-132A-4140-9B2F-EC79BF90CBBA}" presName="level3hierChild" presStyleCnt="0"/>
@@ -3725,10 +3965,26 @@
     <dgm:pt modelId="{7AFC6679-040B-4A57-A213-72CEF0858644}" type="pres">
       <dgm:prSet presAssocID="{CAAD4225-72FC-4EBF-A65C-0E38F043D9A9}" presName="conn2-1" presStyleLbl="parChTrans1D3" presStyleIdx="1" presStyleCnt="6"/>
       <dgm:spPr/>
+      <dgm:t>
+        <a:bodyPr/>
+        <a:lstStyle/>
+        <a:p>
+          <a:pPr latinLnBrk="1"/>
+          <a:endParaRPr lang="ko-KR" altLang="en-US"/>
+        </a:p>
+      </dgm:t>
     </dgm:pt>
     <dgm:pt modelId="{9B3C6582-681B-4F0B-9D1D-26CDA8682A43}" type="pres">
       <dgm:prSet presAssocID="{CAAD4225-72FC-4EBF-A65C-0E38F043D9A9}" presName="connTx" presStyleLbl="parChTrans1D3" presStyleIdx="1" presStyleCnt="6"/>
       <dgm:spPr/>
+      <dgm:t>
+        <a:bodyPr/>
+        <a:lstStyle/>
+        <a:p>
+          <a:pPr latinLnBrk="1"/>
+          <a:endParaRPr lang="ko-KR" altLang="en-US"/>
+        </a:p>
+      </dgm:t>
     </dgm:pt>
     <dgm:pt modelId="{B9CE58DF-BBEA-474C-ACD3-8505211F2AF3}" type="pres">
       <dgm:prSet presAssocID="{72573C3A-E14B-4349-949D-959BCB2F54BA}" presName="root2" presStyleCnt="0"/>
@@ -3757,10 +4013,26 @@
     <dgm:pt modelId="{76E4C2F7-CE0A-45C0-B3A8-8DB1C95933C3}" type="pres">
       <dgm:prSet presAssocID="{7D14F62D-9BF1-41E6-8FE8-94345005E141}" presName="conn2-1" presStyleLbl="parChTrans1D2" presStyleIdx="1" presStyleCnt="3"/>
       <dgm:spPr/>
+      <dgm:t>
+        <a:bodyPr/>
+        <a:lstStyle/>
+        <a:p>
+          <a:pPr latinLnBrk="1"/>
+          <a:endParaRPr lang="ko-KR" altLang="en-US"/>
+        </a:p>
+      </dgm:t>
     </dgm:pt>
     <dgm:pt modelId="{1CF84322-52E1-4BAA-A388-729403AB0147}" type="pres">
       <dgm:prSet presAssocID="{7D14F62D-9BF1-41E6-8FE8-94345005E141}" presName="connTx" presStyleLbl="parChTrans1D2" presStyleIdx="1" presStyleCnt="3"/>
       <dgm:spPr/>
+      <dgm:t>
+        <a:bodyPr/>
+        <a:lstStyle/>
+        <a:p>
+          <a:pPr latinLnBrk="1"/>
+          <a:endParaRPr lang="ko-KR" altLang="en-US"/>
+        </a:p>
+      </dgm:t>
     </dgm:pt>
     <dgm:pt modelId="{E8B5AA7A-93DF-4135-BC27-504FA6B7B646}" type="pres">
       <dgm:prSet presAssocID="{EC3401F3-A19F-4344-8018-29EB20FF741D}" presName="root2" presStyleCnt="0"/>
@@ -3773,6 +4045,14 @@
         </dgm:presLayoutVars>
       </dgm:prSet>
       <dgm:spPr/>
+      <dgm:t>
+        <a:bodyPr/>
+        <a:lstStyle/>
+        <a:p>
+          <a:pPr latinLnBrk="1"/>
+          <a:endParaRPr lang="ko-KR" altLang="en-US"/>
+        </a:p>
+      </dgm:t>
     </dgm:pt>
     <dgm:pt modelId="{64DBDF27-D48F-4B34-9D3D-313A2600B725}" type="pres">
       <dgm:prSet presAssocID="{EC3401F3-A19F-4344-8018-29EB20FF741D}" presName="level3hierChild" presStyleCnt="0"/>
@@ -3781,10 +4061,26 @@
     <dgm:pt modelId="{FA83AABE-0819-45ED-A40C-ABFFC9EA5E5A}" type="pres">
       <dgm:prSet presAssocID="{BCA2BB2B-AEA4-4B87-857F-4E8B5BC619D1}" presName="conn2-1" presStyleLbl="parChTrans1D3" presStyleIdx="2" presStyleCnt="6"/>
       <dgm:spPr/>
+      <dgm:t>
+        <a:bodyPr/>
+        <a:lstStyle/>
+        <a:p>
+          <a:pPr latinLnBrk="1"/>
+          <a:endParaRPr lang="ko-KR" altLang="en-US"/>
+        </a:p>
+      </dgm:t>
     </dgm:pt>
     <dgm:pt modelId="{B102BF12-68C4-412D-BEF9-E28EFB72112A}" type="pres">
       <dgm:prSet presAssocID="{BCA2BB2B-AEA4-4B87-857F-4E8B5BC619D1}" presName="connTx" presStyleLbl="parChTrans1D3" presStyleIdx="2" presStyleCnt="6"/>
       <dgm:spPr/>
+      <dgm:t>
+        <a:bodyPr/>
+        <a:lstStyle/>
+        <a:p>
+          <a:pPr latinLnBrk="1"/>
+          <a:endParaRPr lang="ko-KR" altLang="en-US"/>
+        </a:p>
+      </dgm:t>
     </dgm:pt>
     <dgm:pt modelId="{FC8BD74A-0E0A-4C33-A036-E127D0F1915A}" type="pres">
       <dgm:prSet presAssocID="{9AFDEA11-1B03-4B74-9096-2D19D0A1EFC4}" presName="root2" presStyleCnt="0"/>
@@ -3797,6 +4093,14 @@
         </dgm:presLayoutVars>
       </dgm:prSet>
       <dgm:spPr/>
+      <dgm:t>
+        <a:bodyPr/>
+        <a:lstStyle/>
+        <a:p>
+          <a:pPr latinLnBrk="1"/>
+          <a:endParaRPr lang="ko-KR" altLang="en-US"/>
+        </a:p>
+      </dgm:t>
     </dgm:pt>
     <dgm:pt modelId="{FC7C0C1D-3682-41AE-B705-30717D02410E}" type="pres">
       <dgm:prSet presAssocID="{9AFDEA11-1B03-4B74-9096-2D19D0A1EFC4}" presName="level3hierChild" presStyleCnt="0"/>
@@ -3805,10 +4109,26 @@
     <dgm:pt modelId="{1BE9AF5A-C478-4D15-8594-EE4B1FB6D08E}" type="pres">
       <dgm:prSet presAssocID="{B8D42E6F-39B3-4424-8C5D-33D55756F961}" presName="conn2-1" presStyleLbl="parChTrans1D3" presStyleIdx="3" presStyleCnt="6"/>
       <dgm:spPr/>
+      <dgm:t>
+        <a:bodyPr/>
+        <a:lstStyle/>
+        <a:p>
+          <a:pPr latinLnBrk="1"/>
+          <a:endParaRPr lang="ko-KR" altLang="en-US"/>
+        </a:p>
+      </dgm:t>
     </dgm:pt>
     <dgm:pt modelId="{9ABB2FF7-1039-40D9-B9C4-F072928F7071}" type="pres">
       <dgm:prSet presAssocID="{B8D42E6F-39B3-4424-8C5D-33D55756F961}" presName="connTx" presStyleLbl="parChTrans1D3" presStyleIdx="3" presStyleCnt="6"/>
       <dgm:spPr/>
+      <dgm:t>
+        <a:bodyPr/>
+        <a:lstStyle/>
+        <a:p>
+          <a:pPr latinLnBrk="1"/>
+          <a:endParaRPr lang="ko-KR" altLang="en-US"/>
+        </a:p>
+      </dgm:t>
     </dgm:pt>
     <dgm:pt modelId="{E961BE30-3757-4471-B8DD-584128FE2CED}" type="pres">
       <dgm:prSet presAssocID="{3FC16F49-A106-481C-A1D2-DA396082B3FB}" presName="root2" presStyleCnt="0"/>
@@ -3821,6 +4141,14 @@
         </dgm:presLayoutVars>
       </dgm:prSet>
       <dgm:spPr/>
+      <dgm:t>
+        <a:bodyPr/>
+        <a:lstStyle/>
+        <a:p>
+          <a:pPr latinLnBrk="1"/>
+          <a:endParaRPr lang="ko-KR" altLang="en-US"/>
+        </a:p>
+      </dgm:t>
     </dgm:pt>
     <dgm:pt modelId="{83B7749D-3D68-4909-A2BE-13A25BEDDB94}" type="pres">
       <dgm:prSet presAssocID="{3FC16F49-A106-481C-A1D2-DA396082B3FB}" presName="level3hierChild" presStyleCnt="0"/>
@@ -3829,10 +4157,26 @@
     <dgm:pt modelId="{EF9770C2-8922-4B9C-B118-000B9C5242C0}" type="pres">
       <dgm:prSet presAssocID="{B454FCA5-90CD-4022-9C46-2E126D3E125A}" presName="conn2-1" presStyleLbl="parChTrans1D2" presStyleIdx="2" presStyleCnt="3"/>
       <dgm:spPr/>
+      <dgm:t>
+        <a:bodyPr/>
+        <a:lstStyle/>
+        <a:p>
+          <a:pPr latinLnBrk="1"/>
+          <a:endParaRPr lang="ko-KR" altLang="en-US"/>
+        </a:p>
+      </dgm:t>
     </dgm:pt>
     <dgm:pt modelId="{824D610A-6C58-4ABF-8444-C3014CD33E05}" type="pres">
       <dgm:prSet presAssocID="{B454FCA5-90CD-4022-9C46-2E126D3E125A}" presName="connTx" presStyleLbl="parChTrans1D2" presStyleIdx="2" presStyleCnt="3"/>
       <dgm:spPr/>
+      <dgm:t>
+        <a:bodyPr/>
+        <a:lstStyle/>
+        <a:p>
+          <a:pPr latinLnBrk="1"/>
+          <a:endParaRPr lang="ko-KR" altLang="en-US"/>
+        </a:p>
+      </dgm:t>
     </dgm:pt>
     <dgm:pt modelId="{2529E1EF-3DD3-4C72-AF54-B00C7979ACA8}" type="pres">
       <dgm:prSet presAssocID="{C6DA1C08-69AC-4E7B-AAAF-C03BDA07FF79}" presName="root2" presStyleCnt="0"/>
@@ -3845,6 +4189,14 @@
         </dgm:presLayoutVars>
       </dgm:prSet>
       <dgm:spPr/>
+      <dgm:t>
+        <a:bodyPr/>
+        <a:lstStyle/>
+        <a:p>
+          <a:pPr latinLnBrk="1"/>
+          <a:endParaRPr lang="ko-KR" altLang="en-US"/>
+        </a:p>
+      </dgm:t>
     </dgm:pt>
     <dgm:pt modelId="{AAE76EB7-4413-4BC9-A4BA-8C1D6A46E6C7}" type="pres">
       <dgm:prSet presAssocID="{C6DA1C08-69AC-4E7B-AAAF-C03BDA07FF79}" presName="level3hierChild" presStyleCnt="0"/>
@@ -3853,10 +4205,26 @@
     <dgm:pt modelId="{502315A6-F7B3-470E-9AA1-BF41E542EEE5}" type="pres">
       <dgm:prSet presAssocID="{838104B5-7A2B-43D5-8A8E-7E324312102C}" presName="conn2-1" presStyleLbl="parChTrans1D3" presStyleIdx="4" presStyleCnt="6"/>
       <dgm:spPr/>
+      <dgm:t>
+        <a:bodyPr/>
+        <a:lstStyle/>
+        <a:p>
+          <a:pPr latinLnBrk="1"/>
+          <a:endParaRPr lang="ko-KR" altLang="en-US"/>
+        </a:p>
+      </dgm:t>
     </dgm:pt>
     <dgm:pt modelId="{A9CB5960-6B36-4623-A8E4-8F88B8B7DB9D}" type="pres">
       <dgm:prSet presAssocID="{838104B5-7A2B-43D5-8A8E-7E324312102C}" presName="connTx" presStyleLbl="parChTrans1D3" presStyleIdx="4" presStyleCnt="6"/>
       <dgm:spPr/>
+      <dgm:t>
+        <a:bodyPr/>
+        <a:lstStyle/>
+        <a:p>
+          <a:pPr latinLnBrk="1"/>
+          <a:endParaRPr lang="ko-KR" altLang="en-US"/>
+        </a:p>
+      </dgm:t>
     </dgm:pt>
     <dgm:pt modelId="{EAEDFD87-1E7E-46F5-97F5-BFF329ECCB70}" type="pres">
       <dgm:prSet presAssocID="{D18B5DAC-F858-453A-82FC-C0E1A910BD2B}" presName="root2" presStyleCnt="0"/>
@@ -3869,6 +4237,14 @@
         </dgm:presLayoutVars>
       </dgm:prSet>
       <dgm:spPr/>
+      <dgm:t>
+        <a:bodyPr/>
+        <a:lstStyle/>
+        <a:p>
+          <a:pPr latinLnBrk="1"/>
+          <a:endParaRPr lang="ko-KR" altLang="en-US"/>
+        </a:p>
+      </dgm:t>
     </dgm:pt>
     <dgm:pt modelId="{DE70016F-5E78-4352-AB1C-8826CB00EB18}" type="pres">
       <dgm:prSet presAssocID="{D18B5DAC-F858-453A-82FC-C0E1A910BD2B}" presName="level3hierChild" presStyleCnt="0"/>
@@ -3877,10 +4253,26 @@
     <dgm:pt modelId="{D1E8F139-3512-4187-9741-7D1170C146A0}" type="pres">
       <dgm:prSet presAssocID="{DB832A94-C8B3-433D-A98F-1FFE5AC16557}" presName="conn2-1" presStyleLbl="parChTrans1D3" presStyleIdx="5" presStyleCnt="6"/>
       <dgm:spPr/>
+      <dgm:t>
+        <a:bodyPr/>
+        <a:lstStyle/>
+        <a:p>
+          <a:pPr latinLnBrk="1"/>
+          <a:endParaRPr lang="ko-KR" altLang="en-US"/>
+        </a:p>
+      </dgm:t>
     </dgm:pt>
     <dgm:pt modelId="{5CA46CA8-7A90-4B58-8C88-6DC3B94EF9E3}" type="pres">
       <dgm:prSet presAssocID="{DB832A94-C8B3-433D-A98F-1FFE5AC16557}" presName="connTx" presStyleLbl="parChTrans1D3" presStyleIdx="5" presStyleCnt="6"/>
       <dgm:spPr/>
+      <dgm:t>
+        <a:bodyPr/>
+        <a:lstStyle/>
+        <a:p>
+          <a:pPr latinLnBrk="1"/>
+          <a:endParaRPr lang="ko-KR" altLang="en-US"/>
+        </a:p>
+      </dgm:t>
     </dgm:pt>
     <dgm:pt modelId="{A5EEF5A8-A5EF-4B23-9D95-E34944A289DC}" type="pres">
       <dgm:prSet presAssocID="{D94998F3-5186-4FE1-B8CD-93495207B940}" presName="root2" presStyleCnt="0"/>
@@ -3893,6 +4285,14 @@
         </dgm:presLayoutVars>
       </dgm:prSet>
       <dgm:spPr/>
+      <dgm:t>
+        <a:bodyPr/>
+        <a:lstStyle/>
+        <a:p>
+          <a:pPr latinLnBrk="1"/>
+          <a:endParaRPr lang="ko-KR" altLang="en-US"/>
+        </a:p>
+      </dgm:t>
     </dgm:pt>
     <dgm:pt modelId="{59C2F816-8159-4404-A5D5-B7764CEBE27E}" type="pres">
       <dgm:prSet presAssocID="{D94998F3-5186-4FE1-B8CD-93495207B940}" presName="level3hierChild" presStyleCnt="0"/>
@@ -3900,45 +4300,45 @@
     </dgm:pt>
   </dgm:ptLst>
   <dgm:cxnLst>
+    <dgm:cxn modelId="{A7332284-0910-4D8B-9C9F-F6F25CDD47DD}" type="presOf" srcId="{1454669D-F9E0-41AE-868B-627B3145495A}" destId="{CEC65890-78BA-4539-AA70-843EAB8B941F}" srcOrd="0" destOrd="0" presId="urn:microsoft.com/office/officeart/2005/8/layout/hierarchy2"/>
+    <dgm:cxn modelId="{DCF0BDE3-597A-4A7F-B47F-FA3F9185EC27}" type="presOf" srcId="{DB832A94-C8B3-433D-A98F-1FFE5AC16557}" destId="{5CA46CA8-7A90-4B58-8C88-6DC3B94EF9E3}" srcOrd="1" destOrd="0" presId="urn:microsoft.com/office/officeart/2005/8/layout/hierarchy2"/>
+    <dgm:cxn modelId="{476B3B42-CD9A-4A08-8C89-529DC7D55D23}" type="presOf" srcId="{B8D42E6F-39B3-4424-8C5D-33D55756F961}" destId="{9ABB2FF7-1039-40D9-B9C4-F072928F7071}" srcOrd="1" destOrd="0" presId="urn:microsoft.com/office/officeart/2005/8/layout/hierarchy2"/>
+    <dgm:cxn modelId="{D8B2582D-419F-47AD-A6F5-EEAF0BDD6133}" type="presOf" srcId="{BCA2BB2B-AEA4-4B87-857F-4E8B5BC619D1}" destId="{FA83AABE-0819-45ED-A40C-ABFFC9EA5E5A}" srcOrd="0" destOrd="0" presId="urn:microsoft.com/office/officeart/2005/8/layout/hierarchy2"/>
+    <dgm:cxn modelId="{1099EF05-1554-4C50-BDEE-90DD3610EF51}" type="presOf" srcId="{DB832A94-C8B3-433D-A98F-1FFE5AC16557}" destId="{D1E8F139-3512-4187-9741-7D1170C146A0}" srcOrd="0" destOrd="0" presId="urn:microsoft.com/office/officeart/2005/8/layout/hierarchy2"/>
+    <dgm:cxn modelId="{517FE39C-4D6E-4E07-BBFF-B1B7E1822026}" type="presOf" srcId="{838104B5-7A2B-43D5-8A8E-7E324312102C}" destId="{A9CB5960-6B36-4623-A8E4-8F88B8B7DB9D}" srcOrd="1" destOrd="0" presId="urn:microsoft.com/office/officeart/2005/8/layout/hierarchy2"/>
+    <dgm:cxn modelId="{F582F95E-22B5-4036-8E86-B4ACFD5147AC}" type="presOf" srcId="{7D14F62D-9BF1-41E6-8FE8-94345005E141}" destId="{76E4C2F7-CE0A-45C0-B3A8-8DB1C95933C3}" srcOrd="0" destOrd="0" presId="urn:microsoft.com/office/officeart/2005/8/layout/hierarchy2"/>
+    <dgm:cxn modelId="{9FD6A395-D189-4660-9AED-A835EBFFF769}" srcId="{463D6B1A-BB59-4F8F-88D1-A323A5F9FE8C}" destId="{1454669D-F9E0-41AE-868B-627B3145495A}" srcOrd="0" destOrd="0" parTransId="{4371B9F5-E2D5-4334-9A76-323F4BC0D15C}" sibTransId="{63647D5D-FBCA-41C6-A4F8-81837089DD2F}"/>
     <dgm:cxn modelId="{13B61F40-8ECB-4CF0-98E9-EBED305472FC}" type="presOf" srcId="{B454FCA5-90CD-4022-9C46-2E126D3E125A}" destId="{824D610A-6C58-4ABF-8444-C3014CD33E05}" srcOrd="1" destOrd="0" presId="urn:microsoft.com/office/officeart/2005/8/layout/hierarchy2"/>
-    <dgm:cxn modelId="{A7332284-0910-4D8B-9C9F-F6F25CDD47DD}" type="presOf" srcId="{1454669D-F9E0-41AE-868B-627B3145495A}" destId="{CEC65890-78BA-4539-AA70-843EAB8B941F}" srcOrd="0" destOrd="0" presId="urn:microsoft.com/office/officeart/2005/8/layout/hierarchy2"/>
+    <dgm:cxn modelId="{8C4FFCC9-B17F-41A8-A6D4-7C6CCB5F0B43}" type="presOf" srcId="{B6583440-AF11-44BC-BBC9-752D077B6211}" destId="{2490F3D1-B1C7-425A-A496-6C6348E5807F}" srcOrd="0" destOrd="0" presId="urn:microsoft.com/office/officeart/2005/8/layout/hierarchy2"/>
+    <dgm:cxn modelId="{681BA249-B917-4ED2-B1DC-3338E5D15A1D}" srcId="{463D6B1A-BB59-4F8F-88D1-A323A5F9FE8C}" destId="{C6DA1C08-69AC-4E7B-AAAF-C03BDA07FF79}" srcOrd="2" destOrd="0" parTransId="{B454FCA5-90CD-4022-9C46-2E126D3E125A}" sibTransId="{C0D23E61-86B6-4D2E-B8D3-FA3CC3F1AE0F}"/>
+    <dgm:cxn modelId="{E96DC206-D8EF-4023-9535-EE85FF6CC5D0}" type="presOf" srcId="{B454FCA5-90CD-4022-9C46-2E126D3E125A}" destId="{EF9770C2-8922-4B9C-B118-000B9C5242C0}" srcOrd="0" destOrd="0" presId="urn:microsoft.com/office/officeart/2005/8/layout/hierarchy2"/>
+    <dgm:cxn modelId="{6268831C-D3C4-4041-9DC7-2EB2D45E3AA2}" type="presOf" srcId="{7D14F62D-9BF1-41E6-8FE8-94345005E141}" destId="{1CF84322-52E1-4BAA-A388-729403AB0147}" srcOrd="1" destOrd="0" presId="urn:microsoft.com/office/officeart/2005/8/layout/hierarchy2"/>
+    <dgm:cxn modelId="{128B2FD0-4E6F-4176-A2D4-E450529911F1}" type="presOf" srcId="{B8D42E6F-39B3-4424-8C5D-33D55756F961}" destId="{1BE9AF5A-C478-4D15-8594-EE4B1FB6D08E}" srcOrd="0" destOrd="0" presId="urn:microsoft.com/office/officeart/2005/8/layout/hierarchy2"/>
+    <dgm:cxn modelId="{532B2BB0-FCEB-4D7F-B3B8-C9A35CDABF02}" srcId="{EC3401F3-A19F-4344-8018-29EB20FF741D}" destId="{9AFDEA11-1B03-4B74-9096-2D19D0A1EFC4}" srcOrd="0" destOrd="0" parTransId="{BCA2BB2B-AEA4-4B87-857F-4E8B5BC619D1}" sibTransId="{E4E9BAE4-85B7-4B08-AC4C-460523E09831}"/>
+    <dgm:cxn modelId="{431738A2-5216-4F26-802B-A6463EFFE6A4}" type="presOf" srcId="{4371B9F5-E2D5-4334-9A76-323F4BC0D15C}" destId="{51BEAAB0-6139-4B5D-9A36-114D319C94AE}" srcOrd="1" destOrd="0" presId="urn:microsoft.com/office/officeart/2005/8/layout/hierarchy2"/>
+    <dgm:cxn modelId="{4510EBCA-284A-453B-86EB-8A6FDF52ED52}" type="presOf" srcId="{838104B5-7A2B-43D5-8A8E-7E324312102C}" destId="{502315A6-F7B3-470E-9AA1-BF41E542EEE5}" srcOrd="0" destOrd="0" presId="urn:microsoft.com/office/officeart/2005/8/layout/hierarchy2"/>
+    <dgm:cxn modelId="{C9F518ED-650F-4C74-9289-99D420EE5185}" srcId="{1454669D-F9E0-41AE-868B-627B3145495A}" destId="{72573C3A-E14B-4349-949D-959BCB2F54BA}" srcOrd="1" destOrd="0" parTransId="{CAAD4225-72FC-4EBF-A65C-0E38F043D9A9}" sibTransId="{27FC74B7-3ADA-4D14-A939-C2F101FB0824}"/>
+    <dgm:cxn modelId="{B55995F6-D7F4-4121-84F0-64C781543165}" type="presOf" srcId="{C6DA1C08-69AC-4E7B-AAAF-C03BDA07FF79}" destId="{C0BD22B8-27A3-41AC-98ED-4A045C76C9B8}" srcOrd="0" destOrd="0" presId="urn:microsoft.com/office/officeart/2005/8/layout/hierarchy2"/>
+    <dgm:cxn modelId="{3F81B55E-363E-49F8-9C5C-B5F8101B6378}" type="presOf" srcId="{3FC16F49-A106-481C-A1D2-DA396082B3FB}" destId="{1C798292-E26A-4E01-915D-21668332FC1D}" srcOrd="0" destOrd="0" presId="urn:microsoft.com/office/officeart/2005/8/layout/hierarchy2"/>
+    <dgm:cxn modelId="{5C19BB2E-F698-4559-9FC7-11256811C92F}" srcId="{C6DA1C08-69AC-4E7B-AAAF-C03BDA07FF79}" destId="{D18B5DAC-F858-453A-82FC-C0E1A910BD2B}" srcOrd="0" destOrd="0" parTransId="{838104B5-7A2B-43D5-8A8E-7E324312102C}" sibTransId="{01F4290A-8FF1-4B56-96A7-E1C2ED83A163}"/>
     <dgm:cxn modelId="{ACC1999D-9693-4722-A33D-9FE18545B9D1}" srcId="{EC3401F3-A19F-4344-8018-29EB20FF741D}" destId="{3FC16F49-A106-481C-A1D2-DA396082B3FB}" srcOrd="1" destOrd="0" parTransId="{B8D42E6F-39B3-4424-8C5D-33D55756F961}" sibTransId="{81811E94-A47B-4B34-8BFA-CAFD6733D1B2}"/>
     <dgm:cxn modelId="{50B25589-0999-44F1-8F5E-0C6755437F4D}" type="presOf" srcId="{EC3401F3-A19F-4344-8018-29EB20FF741D}" destId="{1AAA2212-4C96-40AC-834F-7E9449E009B3}" srcOrd="0" destOrd="0" presId="urn:microsoft.com/office/officeart/2005/8/layout/hierarchy2"/>
+    <dgm:cxn modelId="{6F9DE4A2-BBC3-46A4-A7B8-841894C3F3BE}" type="presOf" srcId="{72573C3A-E14B-4349-949D-959BCB2F54BA}" destId="{B2A548FC-C997-4B36-94F8-AAB5404AA09A}" srcOrd="0" destOrd="0" presId="urn:microsoft.com/office/officeart/2005/8/layout/hierarchy2"/>
+    <dgm:cxn modelId="{071B3960-8A5D-480A-8D60-AA97EE3F0696}" type="presOf" srcId="{CAAD4225-72FC-4EBF-A65C-0E38F043D9A9}" destId="{7AFC6679-040B-4A57-A213-72CEF0858644}" srcOrd="0" destOrd="0" presId="urn:microsoft.com/office/officeart/2005/8/layout/hierarchy2"/>
+    <dgm:cxn modelId="{E6908317-6592-4517-961C-FC49AE5986A1}" type="presOf" srcId="{FEB1A705-132A-4140-9B2F-EC79BF90CBBA}" destId="{724410C3-6165-468F-9964-DFC69748108B}" srcOrd="0" destOrd="0" presId="urn:microsoft.com/office/officeart/2005/8/layout/hierarchy2"/>
     <dgm:cxn modelId="{182FD124-0E22-4B4E-8FAE-B88E3E785E87}" type="presOf" srcId="{D94998F3-5186-4FE1-B8CD-93495207B940}" destId="{9D095E39-B3C1-4B58-8DA0-6CCB44B166EF}" srcOrd="0" destOrd="0" presId="urn:microsoft.com/office/officeart/2005/8/layout/hierarchy2"/>
-    <dgm:cxn modelId="{681BA249-B917-4ED2-B1DC-3338E5D15A1D}" srcId="{463D6B1A-BB59-4F8F-88D1-A323A5F9FE8C}" destId="{C6DA1C08-69AC-4E7B-AAAF-C03BDA07FF79}" srcOrd="2" destOrd="0" parTransId="{B454FCA5-90CD-4022-9C46-2E126D3E125A}" sibTransId="{C0D23E61-86B6-4D2E-B8D3-FA3CC3F1AE0F}"/>
-    <dgm:cxn modelId="{E6908317-6592-4517-961C-FC49AE5986A1}" type="presOf" srcId="{FEB1A705-132A-4140-9B2F-EC79BF90CBBA}" destId="{724410C3-6165-468F-9964-DFC69748108B}" srcOrd="0" destOrd="0" presId="urn:microsoft.com/office/officeart/2005/8/layout/hierarchy2"/>
-    <dgm:cxn modelId="{431738A2-5216-4F26-802B-A6463EFFE6A4}" type="presOf" srcId="{4371B9F5-E2D5-4334-9A76-323F4BC0D15C}" destId="{51BEAAB0-6139-4B5D-9A36-114D319C94AE}" srcOrd="1" destOrd="0" presId="urn:microsoft.com/office/officeart/2005/8/layout/hierarchy2"/>
+    <dgm:cxn modelId="{790271FC-DBFC-47A8-82A9-DDB91A4DF4DD}" srcId="{F3E55ECD-9C4E-496B-AC7B-0B32121B99E1}" destId="{463D6B1A-BB59-4F8F-88D1-A323A5F9FE8C}" srcOrd="0" destOrd="0" parTransId="{6A39381A-6860-40AE-8B81-FA2CA9626A0C}" sibTransId="{F46D6756-4113-4884-ADD0-252D0F4EE19F}"/>
+    <dgm:cxn modelId="{DF526CC1-33B5-4519-9BE6-1871B3846F8B}" type="presOf" srcId="{463D6B1A-BB59-4F8F-88D1-A323A5F9FE8C}" destId="{3502F4BE-A9E1-4697-85A6-9D1DC325BD36}" srcOrd="0" destOrd="0" presId="urn:microsoft.com/office/officeart/2005/8/layout/hierarchy2"/>
+    <dgm:cxn modelId="{71B90019-ED0E-416D-857F-EACD5C716EC5}" type="presOf" srcId="{BCA2BB2B-AEA4-4B87-857F-4E8B5BC619D1}" destId="{B102BF12-68C4-412D-BEF9-E28EFB72112A}" srcOrd="1" destOrd="0" presId="urn:microsoft.com/office/officeart/2005/8/layout/hierarchy2"/>
+    <dgm:cxn modelId="{08E2E925-A152-447C-908A-EFB39856CB56}" type="presOf" srcId="{D18B5DAC-F858-453A-82FC-C0E1A910BD2B}" destId="{338ECA39-D689-40BA-A99B-D1D9348A5D01}" srcOrd="0" destOrd="0" presId="urn:microsoft.com/office/officeart/2005/8/layout/hierarchy2"/>
+    <dgm:cxn modelId="{3E0CB1E5-7294-42E1-A475-333F48F519D7}" type="presOf" srcId="{B6583440-AF11-44BC-BBC9-752D077B6211}" destId="{C3DECFED-8207-44A4-8436-7A53AECB2934}" srcOrd="1" destOrd="0" presId="urn:microsoft.com/office/officeart/2005/8/layout/hierarchy2"/>
+    <dgm:cxn modelId="{CFFBFE7A-5771-42AE-926A-E6EE62BE170B}" type="presOf" srcId="{9AFDEA11-1B03-4B74-9096-2D19D0A1EFC4}" destId="{39D2B216-6B17-4CF3-B3FE-C8A343A86540}" srcOrd="0" destOrd="0" presId="urn:microsoft.com/office/officeart/2005/8/layout/hierarchy2"/>
+    <dgm:cxn modelId="{6BE394F7-57D0-4EE0-84E4-0F2825064E4F}" type="presOf" srcId="{F3E55ECD-9C4E-496B-AC7B-0B32121B99E1}" destId="{225B575B-DCD5-4D37-BE3A-1CF2C8C35486}" srcOrd="0" destOrd="0" presId="urn:microsoft.com/office/officeart/2005/8/layout/hierarchy2"/>
+    <dgm:cxn modelId="{204E368B-9677-45EA-85F1-27B3DE56E0AE}" srcId="{1454669D-F9E0-41AE-868B-627B3145495A}" destId="{FEB1A705-132A-4140-9B2F-EC79BF90CBBA}" srcOrd="0" destOrd="0" parTransId="{B6583440-AF11-44BC-BBC9-752D077B6211}" sibTransId="{286ED4D9-F8A7-4558-99E9-E061CC687C3B}"/>
     <dgm:cxn modelId="{C475AA71-D550-4950-87DB-88BBB8EF8DC2}" srcId="{C6DA1C08-69AC-4E7B-AAAF-C03BDA07FF79}" destId="{D94998F3-5186-4FE1-B8CD-93495207B940}" srcOrd="1" destOrd="0" parTransId="{DB832A94-C8B3-433D-A98F-1FFE5AC16557}" sibTransId="{E04182B3-2A9E-4439-A98F-76751E1150D3}"/>
-    <dgm:cxn modelId="{071B3960-8A5D-480A-8D60-AA97EE3F0696}" type="presOf" srcId="{CAAD4225-72FC-4EBF-A65C-0E38F043D9A9}" destId="{7AFC6679-040B-4A57-A213-72CEF0858644}" srcOrd="0" destOrd="0" presId="urn:microsoft.com/office/officeart/2005/8/layout/hierarchy2"/>
-    <dgm:cxn modelId="{4510EBCA-284A-453B-86EB-8A6FDF52ED52}" type="presOf" srcId="{838104B5-7A2B-43D5-8A8E-7E324312102C}" destId="{502315A6-F7B3-470E-9AA1-BF41E542EEE5}" srcOrd="0" destOrd="0" presId="urn:microsoft.com/office/officeart/2005/8/layout/hierarchy2"/>
-    <dgm:cxn modelId="{D8B2582D-419F-47AD-A6F5-EEAF0BDD6133}" type="presOf" srcId="{BCA2BB2B-AEA4-4B87-857F-4E8B5BC619D1}" destId="{FA83AABE-0819-45ED-A40C-ABFFC9EA5E5A}" srcOrd="0" destOrd="0" presId="urn:microsoft.com/office/officeart/2005/8/layout/hierarchy2"/>
-    <dgm:cxn modelId="{128B2FD0-4E6F-4176-A2D4-E450529911F1}" type="presOf" srcId="{B8D42E6F-39B3-4424-8C5D-33D55756F961}" destId="{1BE9AF5A-C478-4D15-8594-EE4B1FB6D08E}" srcOrd="0" destOrd="0" presId="urn:microsoft.com/office/officeart/2005/8/layout/hierarchy2"/>
-    <dgm:cxn modelId="{C9F518ED-650F-4C74-9289-99D420EE5185}" srcId="{1454669D-F9E0-41AE-868B-627B3145495A}" destId="{72573C3A-E14B-4349-949D-959BCB2F54BA}" srcOrd="1" destOrd="0" parTransId="{CAAD4225-72FC-4EBF-A65C-0E38F043D9A9}" sibTransId="{27FC74B7-3ADA-4D14-A939-C2F101FB0824}"/>
-    <dgm:cxn modelId="{DCF0BDE3-597A-4A7F-B47F-FA3F9185EC27}" type="presOf" srcId="{DB832A94-C8B3-433D-A98F-1FFE5AC16557}" destId="{5CA46CA8-7A90-4B58-8C88-6DC3B94EF9E3}" srcOrd="1" destOrd="0" presId="urn:microsoft.com/office/officeart/2005/8/layout/hierarchy2"/>
-    <dgm:cxn modelId="{790271FC-DBFC-47A8-82A9-DDB91A4DF4DD}" srcId="{F3E55ECD-9C4E-496B-AC7B-0B32121B99E1}" destId="{463D6B1A-BB59-4F8F-88D1-A323A5F9FE8C}" srcOrd="0" destOrd="0" parTransId="{6A39381A-6860-40AE-8B81-FA2CA9626A0C}" sibTransId="{F46D6756-4113-4884-ADD0-252D0F4EE19F}"/>
-    <dgm:cxn modelId="{B55995F6-D7F4-4121-84F0-64C781543165}" type="presOf" srcId="{C6DA1C08-69AC-4E7B-AAAF-C03BDA07FF79}" destId="{C0BD22B8-27A3-41AC-98ED-4A045C76C9B8}" srcOrd="0" destOrd="0" presId="urn:microsoft.com/office/officeart/2005/8/layout/hierarchy2"/>
-    <dgm:cxn modelId="{3F81B55E-363E-49F8-9C5C-B5F8101B6378}" type="presOf" srcId="{3FC16F49-A106-481C-A1D2-DA396082B3FB}" destId="{1C798292-E26A-4E01-915D-21668332FC1D}" srcOrd="0" destOrd="0" presId="urn:microsoft.com/office/officeart/2005/8/layout/hierarchy2"/>
-    <dgm:cxn modelId="{6268831C-D3C4-4041-9DC7-2EB2D45E3AA2}" type="presOf" srcId="{7D14F62D-9BF1-41E6-8FE8-94345005E141}" destId="{1CF84322-52E1-4BAA-A388-729403AB0147}" srcOrd="1" destOrd="0" presId="urn:microsoft.com/office/officeart/2005/8/layout/hierarchy2"/>
-    <dgm:cxn modelId="{F582F95E-22B5-4036-8E86-B4ACFD5147AC}" type="presOf" srcId="{7D14F62D-9BF1-41E6-8FE8-94345005E141}" destId="{76E4C2F7-CE0A-45C0-B3A8-8DB1C95933C3}" srcOrd="0" destOrd="0" presId="urn:microsoft.com/office/officeart/2005/8/layout/hierarchy2"/>
-    <dgm:cxn modelId="{532B2BB0-FCEB-4D7F-B3B8-C9A35CDABF02}" srcId="{EC3401F3-A19F-4344-8018-29EB20FF741D}" destId="{9AFDEA11-1B03-4B74-9096-2D19D0A1EFC4}" srcOrd="0" destOrd="0" parTransId="{BCA2BB2B-AEA4-4B87-857F-4E8B5BC619D1}" sibTransId="{E4E9BAE4-85B7-4B08-AC4C-460523E09831}"/>
+    <dgm:cxn modelId="{FEB2470E-E019-43F4-94A2-F2BB8C2D996D}" srcId="{463D6B1A-BB59-4F8F-88D1-A323A5F9FE8C}" destId="{EC3401F3-A19F-4344-8018-29EB20FF741D}" srcOrd="1" destOrd="0" parTransId="{7D14F62D-9BF1-41E6-8FE8-94345005E141}" sibTransId="{F12124CC-EC0A-4A2B-B90F-6CD2DF120C2C}"/>
+    <dgm:cxn modelId="{C9B26565-9ABE-4DFB-BA8A-528466659077}" type="presOf" srcId="{CAAD4225-72FC-4EBF-A65C-0E38F043D9A9}" destId="{9B3C6582-681B-4F0B-9D1D-26CDA8682A43}" srcOrd="1" destOrd="0" presId="urn:microsoft.com/office/officeart/2005/8/layout/hierarchy2"/>
     <dgm:cxn modelId="{BC0E31EC-8E03-4681-BE23-339048559E12}" type="presOf" srcId="{4371B9F5-E2D5-4334-9A76-323F4BC0D15C}" destId="{A430A9BF-CFBE-45DD-9654-32271C59C9A7}" srcOrd="0" destOrd="0" presId="urn:microsoft.com/office/officeart/2005/8/layout/hierarchy2"/>
-    <dgm:cxn modelId="{204E368B-9677-45EA-85F1-27B3DE56E0AE}" srcId="{1454669D-F9E0-41AE-868B-627B3145495A}" destId="{FEB1A705-132A-4140-9B2F-EC79BF90CBBA}" srcOrd="0" destOrd="0" parTransId="{B6583440-AF11-44BC-BBC9-752D077B6211}" sibTransId="{286ED4D9-F8A7-4558-99E9-E061CC687C3B}"/>
-    <dgm:cxn modelId="{517FE39C-4D6E-4E07-BBFF-B1B7E1822026}" type="presOf" srcId="{838104B5-7A2B-43D5-8A8E-7E324312102C}" destId="{A9CB5960-6B36-4623-A8E4-8F88B8B7DB9D}" srcOrd="1" destOrd="0" presId="urn:microsoft.com/office/officeart/2005/8/layout/hierarchy2"/>
-    <dgm:cxn modelId="{71B90019-ED0E-416D-857F-EACD5C716EC5}" type="presOf" srcId="{BCA2BB2B-AEA4-4B87-857F-4E8B5BC619D1}" destId="{B102BF12-68C4-412D-BEF9-E28EFB72112A}" srcOrd="1" destOrd="0" presId="urn:microsoft.com/office/officeart/2005/8/layout/hierarchy2"/>
-    <dgm:cxn modelId="{6BE394F7-57D0-4EE0-84E4-0F2825064E4F}" type="presOf" srcId="{F3E55ECD-9C4E-496B-AC7B-0B32121B99E1}" destId="{225B575B-DCD5-4D37-BE3A-1CF2C8C35486}" srcOrd="0" destOrd="0" presId="urn:microsoft.com/office/officeart/2005/8/layout/hierarchy2"/>
-    <dgm:cxn modelId="{C9B26565-9ABE-4DFB-BA8A-528466659077}" type="presOf" srcId="{CAAD4225-72FC-4EBF-A65C-0E38F043D9A9}" destId="{9B3C6582-681B-4F0B-9D1D-26CDA8682A43}" srcOrd="1" destOrd="0" presId="urn:microsoft.com/office/officeart/2005/8/layout/hierarchy2"/>
-    <dgm:cxn modelId="{DF526CC1-33B5-4519-9BE6-1871B3846F8B}" type="presOf" srcId="{463D6B1A-BB59-4F8F-88D1-A323A5F9FE8C}" destId="{3502F4BE-A9E1-4697-85A6-9D1DC325BD36}" srcOrd="0" destOrd="0" presId="urn:microsoft.com/office/officeart/2005/8/layout/hierarchy2"/>
-    <dgm:cxn modelId="{8C4FFCC9-B17F-41A8-A6D4-7C6CCB5F0B43}" type="presOf" srcId="{B6583440-AF11-44BC-BBC9-752D077B6211}" destId="{2490F3D1-B1C7-425A-A496-6C6348E5807F}" srcOrd="0" destOrd="0" presId="urn:microsoft.com/office/officeart/2005/8/layout/hierarchy2"/>
-    <dgm:cxn modelId="{9FD6A395-D189-4660-9AED-A835EBFFF769}" srcId="{463D6B1A-BB59-4F8F-88D1-A323A5F9FE8C}" destId="{1454669D-F9E0-41AE-868B-627B3145495A}" srcOrd="0" destOrd="0" parTransId="{4371B9F5-E2D5-4334-9A76-323F4BC0D15C}" sibTransId="{63647D5D-FBCA-41C6-A4F8-81837089DD2F}"/>
-    <dgm:cxn modelId="{1099EF05-1554-4C50-BDEE-90DD3610EF51}" type="presOf" srcId="{DB832A94-C8B3-433D-A98F-1FFE5AC16557}" destId="{D1E8F139-3512-4187-9741-7D1170C146A0}" srcOrd="0" destOrd="0" presId="urn:microsoft.com/office/officeart/2005/8/layout/hierarchy2"/>
-    <dgm:cxn modelId="{5C19BB2E-F698-4559-9FC7-11256811C92F}" srcId="{C6DA1C08-69AC-4E7B-AAAF-C03BDA07FF79}" destId="{D18B5DAC-F858-453A-82FC-C0E1A910BD2B}" srcOrd="0" destOrd="0" parTransId="{838104B5-7A2B-43D5-8A8E-7E324312102C}" sibTransId="{01F4290A-8FF1-4B56-96A7-E1C2ED83A163}"/>
-    <dgm:cxn modelId="{08E2E925-A152-447C-908A-EFB39856CB56}" type="presOf" srcId="{D18B5DAC-F858-453A-82FC-C0E1A910BD2B}" destId="{338ECA39-D689-40BA-A99B-D1D9348A5D01}" srcOrd="0" destOrd="0" presId="urn:microsoft.com/office/officeart/2005/8/layout/hierarchy2"/>
-    <dgm:cxn modelId="{CFFBFE7A-5771-42AE-926A-E6EE62BE170B}" type="presOf" srcId="{9AFDEA11-1B03-4B74-9096-2D19D0A1EFC4}" destId="{39D2B216-6B17-4CF3-B3FE-C8A343A86540}" srcOrd="0" destOrd="0" presId="urn:microsoft.com/office/officeart/2005/8/layout/hierarchy2"/>
-    <dgm:cxn modelId="{3E0CB1E5-7294-42E1-A475-333F48F519D7}" type="presOf" srcId="{B6583440-AF11-44BC-BBC9-752D077B6211}" destId="{C3DECFED-8207-44A4-8436-7A53AECB2934}" srcOrd="1" destOrd="0" presId="urn:microsoft.com/office/officeart/2005/8/layout/hierarchy2"/>
-    <dgm:cxn modelId="{FEB2470E-E019-43F4-94A2-F2BB8C2D996D}" srcId="{463D6B1A-BB59-4F8F-88D1-A323A5F9FE8C}" destId="{EC3401F3-A19F-4344-8018-29EB20FF741D}" srcOrd="1" destOrd="0" parTransId="{7D14F62D-9BF1-41E6-8FE8-94345005E141}" sibTransId="{F12124CC-EC0A-4A2B-B90F-6CD2DF120C2C}"/>
-    <dgm:cxn modelId="{6F9DE4A2-BBC3-46A4-A7B8-841894C3F3BE}" type="presOf" srcId="{72573C3A-E14B-4349-949D-959BCB2F54BA}" destId="{B2A548FC-C997-4B36-94F8-AAB5404AA09A}" srcOrd="0" destOrd="0" presId="urn:microsoft.com/office/officeart/2005/8/layout/hierarchy2"/>
-    <dgm:cxn modelId="{476B3B42-CD9A-4A08-8C89-529DC7D55D23}" type="presOf" srcId="{B8D42E6F-39B3-4424-8C5D-33D55756F961}" destId="{9ABB2FF7-1039-40D9-B9C4-F072928F7071}" srcOrd="1" destOrd="0" presId="urn:microsoft.com/office/officeart/2005/8/layout/hierarchy2"/>
-    <dgm:cxn modelId="{E96DC206-D8EF-4023-9535-EE85FF6CC5D0}" type="presOf" srcId="{B454FCA5-90CD-4022-9C46-2E126D3E125A}" destId="{EF9770C2-8922-4B9C-B118-000B9C5242C0}" srcOrd="0" destOrd="0" presId="urn:microsoft.com/office/officeart/2005/8/layout/hierarchy2"/>
     <dgm:cxn modelId="{B97DEB41-0A5A-48F5-A1D0-4879BFEBD57A}" type="presParOf" srcId="{225B575B-DCD5-4D37-BE3A-1CF2C8C35486}" destId="{DE2E59A4-ADE0-4FFC-B5B0-1246A2E4F0F1}" srcOrd="0" destOrd="0" presId="urn:microsoft.com/office/officeart/2005/8/layout/hierarchy2"/>
     <dgm:cxn modelId="{A03B9C57-40BD-4E97-B382-9E16CEB5AE81}" type="presParOf" srcId="{DE2E59A4-ADE0-4FFC-B5B0-1246A2E4F0F1}" destId="{3502F4BE-A9E1-4697-85A6-9D1DC325BD36}" srcOrd="0" destOrd="0" presId="urn:microsoft.com/office/officeart/2005/8/layout/hierarchy2"/>
     <dgm:cxn modelId="{154459D7-DCA4-473D-B586-450540494CC4}" type="presParOf" srcId="{DE2E59A4-ADE0-4FFC-B5B0-1246A2E4F0F1}" destId="{998C3244-E9B6-4B13-8A07-2B46BC71CDE8}" srcOrd="1" destOrd="0" presId="urn:microsoft.com/office/officeart/2005/8/layout/hierarchy2"/>
@@ -4384,6 +4784,14 @@
         </dgm:presLayoutVars>
       </dgm:prSet>
       <dgm:spPr/>
+      <dgm:t>
+        <a:bodyPr/>
+        <a:lstStyle/>
+        <a:p>
+          <a:pPr latinLnBrk="1"/>
+          <a:endParaRPr lang="ko-KR" altLang="en-US"/>
+        </a:p>
+      </dgm:t>
     </dgm:pt>
     <dgm:pt modelId="{DE2E59A4-ADE0-4FFC-B5B0-1246A2E4F0F1}" type="pres">
       <dgm:prSet presAssocID="{463D6B1A-BB59-4F8F-88D1-A323A5F9FE8C}" presName="root1" presStyleCnt="0"/>
@@ -4396,6 +4804,14 @@
         </dgm:presLayoutVars>
       </dgm:prSet>
       <dgm:spPr/>
+      <dgm:t>
+        <a:bodyPr/>
+        <a:lstStyle/>
+        <a:p>
+          <a:pPr latinLnBrk="1"/>
+          <a:endParaRPr lang="ko-KR" altLang="en-US"/>
+        </a:p>
+      </dgm:t>
     </dgm:pt>
     <dgm:pt modelId="{998C3244-E9B6-4B13-8A07-2B46BC71CDE8}" type="pres">
       <dgm:prSet presAssocID="{463D6B1A-BB59-4F8F-88D1-A323A5F9FE8C}" presName="level2hierChild" presStyleCnt="0"/>
@@ -4404,10 +4820,26 @@
     <dgm:pt modelId="{A430A9BF-CFBE-45DD-9654-32271C59C9A7}" type="pres">
       <dgm:prSet presAssocID="{4371B9F5-E2D5-4334-9A76-323F4BC0D15C}" presName="conn2-1" presStyleLbl="parChTrans1D2" presStyleIdx="0" presStyleCnt="3"/>
       <dgm:spPr/>
+      <dgm:t>
+        <a:bodyPr/>
+        <a:lstStyle/>
+        <a:p>
+          <a:pPr latinLnBrk="1"/>
+          <a:endParaRPr lang="ko-KR" altLang="en-US"/>
+        </a:p>
+      </dgm:t>
     </dgm:pt>
     <dgm:pt modelId="{51BEAAB0-6139-4B5D-9A36-114D319C94AE}" type="pres">
       <dgm:prSet presAssocID="{4371B9F5-E2D5-4334-9A76-323F4BC0D15C}" presName="connTx" presStyleLbl="parChTrans1D2" presStyleIdx="0" presStyleCnt="3"/>
       <dgm:spPr/>
+      <dgm:t>
+        <a:bodyPr/>
+        <a:lstStyle/>
+        <a:p>
+          <a:pPr latinLnBrk="1"/>
+          <a:endParaRPr lang="ko-KR" altLang="en-US"/>
+        </a:p>
+      </dgm:t>
     </dgm:pt>
     <dgm:pt modelId="{0D0E5620-37DB-41B9-949E-4E520EECE504}" type="pres">
       <dgm:prSet presAssocID="{1454669D-F9E0-41AE-868B-627B3145495A}" presName="root2" presStyleCnt="0"/>
@@ -4420,6 +4852,14 @@
         </dgm:presLayoutVars>
       </dgm:prSet>
       <dgm:spPr/>
+      <dgm:t>
+        <a:bodyPr/>
+        <a:lstStyle/>
+        <a:p>
+          <a:pPr latinLnBrk="1"/>
+          <a:endParaRPr lang="ko-KR" altLang="en-US"/>
+        </a:p>
+      </dgm:t>
     </dgm:pt>
     <dgm:pt modelId="{BE1A16A7-BBEC-4673-A97C-A2D3253DF088}" type="pres">
       <dgm:prSet presAssocID="{1454669D-F9E0-41AE-868B-627B3145495A}" presName="level3hierChild" presStyleCnt="0"/>
@@ -4428,10 +4868,26 @@
     <dgm:pt modelId="{2490F3D1-B1C7-425A-A496-6C6348E5807F}" type="pres">
       <dgm:prSet presAssocID="{B6583440-AF11-44BC-BBC9-752D077B6211}" presName="conn2-1" presStyleLbl="parChTrans1D3" presStyleIdx="0" presStyleCnt="6"/>
       <dgm:spPr/>
+      <dgm:t>
+        <a:bodyPr/>
+        <a:lstStyle/>
+        <a:p>
+          <a:pPr latinLnBrk="1"/>
+          <a:endParaRPr lang="ko-KR" altLang="en-US"/>
+        </a:p>
+      </dgm:t>
     </dgm:pt>
     <dgm:pt modelId="{C3DECFED-8207-44A4-8436-7A53AECB2934}" type="pres">
       <dgm:prSet presAssocID="{B6583440-AF11-44BC-BBC9-752D077B6211}" presName="connTx" presStyleLbl="parChTrans1D3" presStyleIdx="0" presStyleCnt="6"/>
       <dgm:spPr/>
+      <dgm:t>
+        <a:bodyPr/>
+        <a:lstStyle/>
+        <a:p>
+          <a:pPr latinLnBrk="1"/>
+          <a:endParaRPr lang="ko-KR" altLang="en-US"/>
+        </a:p>
+      </dgm:t>
     </dgm:pt>
     <dgm:pt modelId="{EA045A73-E8BC-4207-8536-337F8BBF6541}" type="pres">
       <dgm:prSet presAssocID="{FEB1A705-132A-4140-9B2F-EC79BF90CBBA}" presName="root2" presStyleCnt="0"/>
@@ -4444,6 +4900,14 @@
         </dgm:presLayoutVars>
       </dgm:prSet>
       <dgm:spPr/>
+      <dgm:t>
+        <a:bodyPr/>
+        <a:lstStyle/>
+        <a:p>
+          <a:pPr latinLnBrk="1"/>
+          <a:endParaRPr lang="ko-KR" altLang="en-US"/>
+        </a:p>
+      </dgm:t>
     </dgm:pt>
     <dgm:pt modelId="{777E841E-DBF8-42F3-AC96-6A83AE9F5A84}" type="pres">
       <dgm:prSet presAssocID="{FEB1A705-132A-4140-9B2F-EC79BF90CBBA}" presName="level3hierChild" presStyleCnt="0"/>
@@ -4452,10 +4916,26 @@
     <dgm:pt modelId="{7AFC6679-040B-4A57-A213-72CEF0858644}" type="pres">
       <dgm:prSet presAssocID="{CAAD4225-72FC-4EBF-A65C-0E38F043D9A9}" presName="conn2-1" presStyleLbl="parChTrans1D3" presStyleIdx="1" presStyleCnt="6"/>
       <dgm:spPr/>
+      <dgm:t>
+        <a:bodyPr/>
+        <a:lstStyle/>
+        <a:p>
+          <a:pPr latinLnBrk="1"/>
+          <a:endParaRPr lang="ko-KR" altLang="en-US"/>
+        </a:p>
+      </dgm:t>
     </dgm:pt>
     <dgm:pt modelId="{9B3C6582-681B-4F0B-9D1D-26CDA8682A43}" type="pres">
       <dgm:prSet presAssocID="{CAAD4225-72FC-4EBF-A65C-0E38F043D9A9}" presName="connTx" presStyleLbl="parChTrans1D3" presStyleIdx="1" presStyleCnt="6"/>
       <dgm:spPr/>
+      <dgm:t>
+        <a:bodyPr/>
+        <a:lstStyle/>
+        <a:p>
+          <a:pPr latinLnBrk="1"/>
+          <a:endParaRPr lang="ko-KR" altLang="en-US"/>
+        </a:p>
+      </dgm:t>
     </dgm:pt>
     <dgm:pt modelId="{B9CE58DF-BBEA-474C-ACD3-8505211F2AF3}" type="pres">
       <dgm:prSet presAssocID="{72573C3A-E14B-4349-949D-959BCB2F54BA}" presName="root2" presStyleCnt="0"/>
@@ -4484,10 +4964,26 @@
     <dgm:pt modelId="{76E4C2F7-CE0A-45C0-B3A8-8DB1C95933C3}" type="pres">
       <dgm:prSet presAssocID="{7D14F62D-9BF1-41E6-8FE8-94345005E141}" presName="conn2-1" presStyleLbl="parChTrans1D2" presStyleIdx="1" presStyleCnt="3"/>
       <dgm:spPr/>
+      <dgm:t>
+        <a:bodyPr/>
+        <a:lstStyle/>
+        <a:p>
+          <a:pPr latinLnBrk="1"/>
+          <a:endParaRPr lang="ko-KR" altLang="en-US"/>
+        </a:p>
+      </dgm:t>
     </dgm:pt>
     <dgm:pt modelId="{1CF84322-52E1-4BAA-A388-729403AB0147}" type="pres">
       <dgm:prSet presAssocID="{7D14F62D-9BF1-41E6-8FE8-94345005E141}" presName="connTx" presStyleLbl="parChTrans1D2" presStyleIdx="1" presStyleCnt="3"/>
       <dgm:spPr/>
+      <dgm:t>
+        <a:bodyPr/>
+        <a:lstStyle/>
+        <a:p>
+          <a:pPr latinLnBrk="1"/>
+          <a:endParaRPr lang="ko-KR" altLang="en-US"/>
+        </a:p>
+      </dgm:t>
     </dgm:pt>
     <dgm:pt modelId="{E8B5AA7A-93DF-4135-BC27-504FA6B7B646}" type="pres">
       <dgm:prSet presAssocID="{EC3401F3-A19F-4344-8018-29EB20FF741D}" presName="root2" presStyleCnt="0"/>
@@ -4500,6 +4996,14 @@
         </dgm:presLayoutVars>
       </dgm:prSet>
       <dgm:spPr/>
+      <dgm:t>
+        <a:bodyPr/>
+        <a:lstStyle/>
+        <a:p>
+          <a:pPr latinLnBrk="1"/>
+          <a:endParaRPr lang="ko-KR" altLang="en-US"/>
+        </a:p>
+      </dgm:t>
     </dgm:pt>
     <dgm:pt modelId="{64DBDF27-D48F-4B34-9D3D-313A2600B725}" type="pres">
       <dgm:prSet presAssocID="{EC3401F3-A19F-4344-8018-29EB20FF741D}" presName="level3hierChild" presStyleCnt="0"/>
@@ -4508,10 +5012,26 @@
     <dgm:pt modelId="{FA83AABE-0819-45ED-A40C-ABFFC9EA5E5A}" type="pres">
       <dgm:prSet presAssocID="{BCA2BB2B-AEA4-4B87-857F-4E8B5BC619D1}" presName="conn2-1" presStyleLbl="parChTrans1D3" presStyleIdx="2" presStyleCnt="6"/>
       <dgm:spPr/>
+      <dgm:t>
+        <a:bodyPr/>
+        <a:lstStyle/>
+        <a:p>
+          <a:pPr latinLnBrk="1"/>
+          <a:endParaRPr lang="ko-KR" altLang="en-US"/>
+        </a:p>
+      </dgm:t>
     </dgm:pt>
     <dgm:pt modelId="{B102BF12-68C4-412D-BEF9-E28EFB72112A}" type="pres">
       <dgm:prSet presAssocID="{BCA2BB2B-AEA4-4B87-857F-4E8B5BC619D1}" presName="connTx" presStyleLbl="parChTrans1D3" presStyleIdx="2" presStyleCnt="6"/>
       <dgm:spPr/>
+      <dgm:t>
+        <a:bodyPr/>
+        <a:lstStyle/>
+        <a:p>
+          <a:pPr latinLnBrk="1"/>
+          <a:endParaRPr lang="ko-KR" altLang="en-US"/>
+        </a:p>
+      </dgm:t>
     </dgm:pt>
     <dgm:pt modelId="{FC8BD74A-0E0A-4C33-A036-E127D0F1915A}" type="pres">
       <dgm:prSet presAssocID="{9AFDEA11-1B03-4B74-9096-2D19D0A1EFC4}" presName="root2" presStyleCnt="0"/>
@@ -4524,6 +5044,14 @@
         </dgm:presLayoutVars>
       </dgm:prSet>
       <dgm:spPr/>
+      <dgm:t>
+        <a:bodyPr/>
+        <a:lstStyle/>
+        <a:p>
+          <a:pPr latinLnBrk="1"/>
+          <a:endParaRPr lang="ko-KR" altLang="en-US"/>
+        </a:p>
+      </dgm:t>
     </dgm:pt>
     <dgm:pt modelId="{FC7C0C1D-3682-41AE-B705-30717D02410E}" type="pres">
       <dgm:prSet presAssocID="{9AFDEA11-1B03-4B74-9096-2D19D0A1EFC4}" presName="level3hierChild" presStyleCnt="0"/>
@@ -4532,10 +5060,26 @@
     <dgm:pt modelId="{1BE9AF5A-C478-4D15-8594-EE4B1FB6D08E}" type="pres">
       <dgm:prSet presAssocID="{B8D42E6F-39B3-4424-8C5D-33D55756F961}" presName="conn2-1" presStyleLbl="parChTrans1D3" presStyleIdx="3" presStyleCnt="6"/>
       <dgm:spPr/>
+      <dgm:t>
+        <a:bodyPr/>
+        <a:lstStyle/>
+        <a:p>
+          <a:pPr latinLnBrk="1"/>
+          <a:endParaRPr lang="ko-KR" altLang="en-US"/>
+        </a:p>
+      </dgm:t>
     </dgm:pt>
     <dgm:pt modelId="{9ABB2FF7-1039-40D9-B9C4-F072928F7071}" type="pres">
       <dgm:prSet presAssocID="{B8D42E6F-39B3-4424-8C5D-33D55756F961}" presName="connTx" presStyleLbl="parChTrans1D3" presStyleIdx="3" presStyleCnt="6"/>
       <dgm:spPr/>
+      <dgm:t>
+        <a:bodyPr/>
+        <a:lstStyle/>
+        <a:p>
+          <a:pPr latinLnBrk="1"/>
+          <a:endParaRPr lang="ko-KR" altLang="en-US"/>
+        </a:p>
+      </dgm:t>
     </dgm:pt>
     <dgm:pt modelId="{E961BE30-3757-4471-B8DD-584128FE2CED}" type="pres">
       <dgm:prSet presAssocID="{3FC16F49-A106-481C-A1D2-DA396082B3FB}" presName="root2" presStyleCnt="0"/>
@@ -4548,6 +5092,14 @@
         </dgm:presLayoutVars>
       </dgm:prSet>
       <dgm:spPr/>
+      <dgm:t>
+        <a:bodyPr/>
+        <a:lstStyle/>
+        <a:p>
+          <a:pPr latinLnBrk="1"/>
+          <a:endParaRPr lang="ko-KR" altLang="en-US"/>
+        </a:p>
+      </dgm:t>
     </dgm:pt>
     <dgm:pt modelId="{83B7749D-3D68-4909-A2BE-13A25BEDDB94}" type="pres">
       <dgm:prSet presAssocID="{3FC16F49-A106-481C-A1D2-DA396082B3FB}" presName="level3hierChild" presStyleCnt="0"/>
@@ -4556,10 +5108,26 @@
     <dgm:pt modelId="{EF9770C2-8922-4B9C-B118-000B9C5242C0}" type="pres">
       <dgm:prSet presAssocID="{B454FCA5-90CD-4022-9C46-2E126D3E125A}" presName="conn2-1" presStyleLbl="parChTrans1D2" presStyleIdx="2" presStyleCnt="3"/>
       <dgm:spPr/>
+      <dgm:t>
+        <a:bodyPr/>
+        <a:lstStyle/>
+        <a:p>
+          <a:pPr latinLnBrk="1"/>
+          <a:endParaRPr lang="ko-KR" altLang="en-US"/>
+        </a:p>
+      </dgm:t>
     </dgm:pt>
     <dgm:pt modelId="{824D610A-6C58-4ABF-8444-C3014CD33E05}" type="pres">
       <dgm:prSet presAssocID="{B454FCA5-90CD-4022-9C46-2E126D3E125A}" presName="connTx" presStyleLbl="parChTrans1D2" presStyleIdx="2" presStyleCnt="3"/>
       <dgm:spPr/>
+      <dgm:t>
+        <a:bodyPr/>
+        <a:lstStyle/>
+        <a:p>
+          <a:pPr latinLnBrk="1"/>
+          <a:endParaRPr lang="ko-KR" altLang="en-US"/>
+        </a:p>
+      </dgm:t>
     </dgm:pt>
     <dgm:pt modelId="{2529E1EF-3DD3-4C72-AF54-B00C7979ACA8}" type="pres">
       <dgm:prSet presAssocID="{C6DA1C08-69AC-4E7B-AAAF-C03BDA07FF79}" presName="root2" presStyleCnt="0"/>
@@ -4572,6 +5140,14 @@
         </dgm:presLayoutVars>
       </dgm:prSet>
       <dgm:spPr/>
+      <dgm:t>
+        <a:bodyPr/>
+        <a:lstStyle/>
+        <a:p>
+          <a:pPr latinLnBrk="1"/>
+          <a:endParaRPr lang="ko-KR" altLang="en-US"/>
+        </a:p>
+      </dgm:t>
     </dgm:pt>
     <dgm:pt modelId="{AAE76EB7-4413-4BC9-A4BA-8C1D6A46E6C7}" type="pres">
       <dgm:prSet presAssocID="{C6DA1C08-69AC-4E7B-AAAF-C03BDA07FF79}" presName="level3hierChild" presStyleCnt="0"/>
@@ -4580,10 +5156,26 @@
     <dgm:pt modelId="{502315A6-F7B3-470E-9AA1-BF41E542EEE5}" type="pres">
       <dgm:prSet presAssocID="{838104B5-7A2B-43D5-8A8E-7E324312102C}" presName="conn2-1" presStyleLbl="parChTrans1D3" presStyleIdx="4" presStyleCnt="6"/>
       <dgm:spPr/>
+      <dgm:t>
+        <a:bodyPr/>
+        <a:lstStyle/>
+        <a:p>
+          <a:pPr latinLnBrk="1"/>
+          <a:endParaRPr lang="ko-KR" altLang="en-US"/>
+        </a:p>
+      </dgm:t>
     </dgm:pt>
     <dgm:pt modelId="{A9CB5960-6B36-4623-A8E4-8F88B8B7DB9D}" type="pres">
       <dgm:prSet presAssocID="{838104B5-7A2B-43D5-8A8E-7E324312102C}" presName="connTx" presStyleLbl="parChTrans1D3" presStyleIdx="4" presStyleCnt="6"/>
       <dgm:spPr/>
+      <dgm:t>
+        <a:bodyPr/>
+        <a:lstStyle/>
+        <a:p>
+          <a:pPr latinLnBrk="1"/>
+          <a:endParaRPr lang="ko-KR" altLang="en-US"/>
+        </a:p>
+      </dgm:t>
     </dgm:pt>
     <dgm:pt modelId="{EAEDFD87-1E7E-46F5-97F5-BFF329ECCB70}" type="pres">
       <dgm:prSet presAssocID="{D18B5DAC-F858-453A-82FC-C0E1A910BD2B}" presName="root2" presStyleCnt="0"/>
@@ -4596,6 +5188,14 @@
         </dgm:presLayoutVars>
       </dgm:prSet>
       <dgm:spPr/>
+      <dgm:t>
+        <a:bodyPr/>
+        <a:lstStyle/>
+        <a:p>
+          <a:pPr latinLnBrk="1"/>
+          <a:endParaRPr lang="ko-KR" altLang="en-US"/>
+        </a:p>
+      </dgm:t>
     </dgm:pt>
     <dgm:pt modelId="{DE70016F-5E78-4352-AB1C-8826CB00EB18}" type="pres">
       <dgm:prSet presAssocID="{D18B5DAC-F858-453A-82FC-C0E1A910BD2B}" presName="level3hierChild" presStyleCnt="0"/>
@@ -4604,10 +5204,26 @@
     <dgm:pt modelId="{D1E8F139-3512-4187-9741-7D1170C146A0}" type="pres">
       <dgm:prSet presAssocID="{DB832A94-C8B3-433D-A98F-1FFE5AC16557}" presName="conn2-1" presStyleLbl="parChTrans1D3" presStyleIdx="5" presStyleCnt="6"/>
       <dgm:spPr/>
+      <dgm:t>
+        <a:bodyPr/>
+        <a:lstStyle/>
+        <a:p>
+          <a:pPr latinLnBrk="1"/>
+          <a:endParaRPr lang="ko-KR" altLang="en-US"/>
+        </a:p>
+      </dgm:t>
     </dgm:pt>
     <dgm:pt modelId="{5CA46CA8-7A90-4B58-8C88-6DC3B94EF9E3}" type="pres">
       <dgm:prSet presAssocID="{DB832A94-C8B3-433D-A98F-1FFE5AC16557}" presName="connTx" presStyleLbl="parChTrans1D3" presStyleIdx="5" presStyleCnt="6"/>
       <dgm:spPr/>
+      <dgm:t>
+        <a:bodyPr/>
+        <a:lstStyle/>
+        <a:p>
+          <a:pPr latinLnBrk="1"/>
+          <a:endParaRPr lang="ko-KR" altLang="en-US"/>
+        </a:p>
+      </dgm:t>
     </dgm:pt>
     <dgm:pt modelId="{A5EEF5A8-A5EF-4B23-9D95-E34944A289DC}" type="pres">
       <dgm:prSet presAssocID="{D94998F3-5186-4FE1-B8CD-93495207B940}" presName="root2" presStyleCnt="0"/>
@@ -4620,6 +5236,14 @@
         </dgm:presLayoutVars>
       </dgm:prSet>
       <dgm:spPr/>
+      <dgm:t>
+        <a:bodyPr/>
+        <a:lstStyle/>
+        <a:p>
+          <a:pPr latinLnBrk="1"/>
+          <a:endParaRPr lang="ko-KR" altLang="en-US"/>
+        </a:p>
+      </dgm:t>
     </dgm:pt>
     <dgm:pt modelId="{59C2F816-8159-4404-A5D5-B7764CEBE27E}" type="pres">
       <dgm:prSet presAssocID="{D94998F3-5186-4FE1-B8CD-93495207B940}" presName="level3hierChild" presStyleCnt="0"/>
@@ -4652,8 +5276,8 @@
     <dgm:cxn modelId="{37801AA3-3FD7-4976-AAF7-741D87C67C5A}" type="presOf" srcId="{72573C3A-E14B-4349-949D-959BCB2F54BA}" destId="{B2A548FC-C997-4B36-94F8-AAB5404AA09A}" srcOrd="0" destOrd="0" presId="urn:microsoft.com/office/officeart/2005/8/layout/hierarchy2"/>
     <dgm:cxn modelId="{204E368B-9677-45EA-85F1-27B3DE56E0AE}" srcId="{1454669D-F9E0-41AE-868B-627B3145495A}" destId="{FEB1A705-132A-4140-9B2F-EC79BF90CBBA}" srcOrd="0" destOrd="0" parTransId="{B6583440-AF11-44BC-BBC9-752D077B6211}" sibTransId="{286ED4D9-F8A7-4558-99E9-E061CC687C3B}"/>
     <dgm:cxn modelId="{1BE06BB5-79F5-499A-9297-BC1252D657AC}" type="presOf" srcId="{B8D42E6F-39B3-4424-8C5D-33D55756F961}" destId="{9ABB2FF7-1039-40D9-B9C4-F072928F7071}" srcOrd="1" destOrd="0" presId="urn:microsoft.com/office/officeart/2005/8/layout/hierarchy2"/>
+    <dgm:cxn modelId="{ED2AD807-64C2-44D5-92D1-5B1560A96DB4}" type="presOf" srcId="{F3E55ECD-9C4E-496B-AC7B-0B32121B99E1}" destId="{225B575B-DCD5-4D37-BE3A-1CF2C8C35486}" srcOrd="0" destOrd="0" presId="urn:microsoft.com/office/officeart/2005/8/layout/hierarchy2"/>
     <dgm:cxn modelId="{F9B784A9-ACA5-42EF-8B7C-0B95BAC790EA}" type="presOf" srcId="{B454FCA5-90CD-4022-9C46-2E126D3E125A}" destId="{824D610A-6C58-4ABF-8444-C3014CD33E05}" srcOrd="1" destOrd="0" presId="urn:microsoft.com/office/officeart/2005/8/layout/hierarchy2"/>
-    <dgm:cxn modelId="{ED2AD807-64C2-44D5-92D1-5B1560A96DB4}" type="presOf" srcId="{F3E55ECD-9C4E-496B-AC7B-0B32121B99E1}" destId="{225B575B-DCD5-4D37-BE3A-1CF2C8C35486}" srcOrd="0" destOrd="0" presId="urn:microsoft.com/office/officeart/2005/8/layout/hierarchy2"/>
     <dgm:cxn modelId="{88CF7448-56BD-44A1-88E2-602FBFADD0C8}" type="presOf" srcId="{C6DA1C08-69AC-4E7B-AAAF-C03BDA07FF79}" destId="{C0BD22B8-27A3-41AC-98ED-4A045C76C9B8}" srcOrd="0" destOrd="0" presId="urn:microsoft.com/office/officeart/2005/8/layout/hierarchy2"/>
     <dgm:cxn modelId="{9FD6A395-D189-4660-9AED-A835EBFFF769}" srcId="{463D6B1A-BB59-4F8F-88D1-A323A5F9FE8C}" destId="{1454669D-F9E0-41AE-868B-627B3145495A}" srcOrd="0" destOrd="0" parTransId="{4371B9F5-E2D5-4334-9A76-323F4BC0D15C}" sibTransId="{63647D5D-FBCA-41C6-A4F8-81837089DD2F}"/>
     <dgm:cxn modelId="{5C19BB2E-F698-4559-9FC7-11256811C92F}" srcId="{C6DA1C08-69AC-4E7B-AAAF-C03BDA07FF79}" destId="{D18B5DAC-F858-453A-82FC-C0E1A910BD2B}" srcOrd="0" destOrd="0" parTransId="{838104B5-7A2B-43D5-8A8E-7E324312102C}" sibTransId="{01F4290A-8FF1-4B56-96A7-E1C2ED83A163}"/>
@@ -16337,6 +16961,18 @@
             <a:pPr algn="l"/>
             <a:r>
               <a:rPr lang="ko-KR" altLang="en-US" sz="3200" dirty="0" smtClean="0"/>
+              <a:t>글로벌 </a:t>
+            </a:r>
+            <a:r>
+              <a:rPr lang="ko-KR" altLang="en-US" sz="3200" dirty="0" err="1" smtClean="0"/>
+              <a:t>내비게이션</a:t>
+            </a:r>
+            <a:r>
+              <a:rPr lang="ko-KR" altLang="en-US" sz="3200" dirty="0" smtClean="0"/>
+              <a:t> </a:t>
+            </a:r>
+            <a:r>
+              <a:rPr lang="ko-KR" altLang="en-US" sz="3200" dirty="0" smtClean="0"/>
               <a:t>정보구조도</a:t>
             </a:r>
             <a:endParaRPr lang="ko-KR" altLang="en-US" sz="3200" dirty="0"/>
@@ -16441,7 +17077,15 @@
             <a:pPr algn="l"/>
             <a:r>
               <a:rPr lang="ko-KR" altLang="en-US" sz="3200" dirty="0" smtClean="0"/>
-              <a:t>정보구조도</a:t>
+              <a:t>로컬 </a:t>
+            </a:r>
+            <a:r>
+              <a:rPr lang="ko-KR" altLang="en-US" sz="3200" dirty="0" err="1" smtClean="0"/>
+              <a:t>내비게이션</a:t>
+            </a:r>
+            <a:r>
+              <a:rPr lang="ko-KR" altLang="en-US" sz="3200" smtClean="0"/>
+              <a:t> 정보구조도</a:t>
             </a:r>
             <a:endParaRPr lang="ko-KR" altLang="en-US" sz="3200" dirty="0"/>
           </a:p>
@@ -16544,7 +17188,23 @@
           <a:p>
             <a:pPr algn="l"/>
             <a:r>
-              <a:rPr lang="ko-KR" altLang="en-US" sz="3200" smtClean="0"/>
+              <a:rPr lang="ko-KR" altLang="en-US" sz="3200" dirty="0" err="1" smtClean="0"/>
+              <a:t>콘텍스추얼</a:t>
+            </a:r>
+            <a:r>
+              <a:rPr lang="ko-KR" altLang="en-US" sz="3200" dirty="0" smtClean="0"/>
+              <a:t> </a:t>
+            </a:r>
+            <a:r>
+              <a:rPr lang="ko-KR" altLang="en-US" sz="3200" dirty="0" err="1" smtClean="0"/>
+              <a:t>내비게이션</a:t>
+            </a:r>
+            <a:r>
+              <a:rPr lang="ko-KR" altLang="en-US" sz="3200" dirty="0" smtClean="0"/>
+              <a:t> </a:t>
+            </a:r>
+            <a:r>
+              <a:rPr lang="ko-KR" altLang="en-US" sz="3200" dirty="0" smtClean="0"/>
               <a:t>정보구조도</a:t>
             </a:r>
             <a:endParaRPr lang="ko-KR" altLang="en-US" sz="3200" dirty="0"/>

--- a/UI 아키텍처 설계-안종훈.pptx
+++ b/UI 아키텍처 설계-안종훈.pptx
@@ -110,7 +110,7 @@
   </p:defaultTextStyle>
   <p:extLst>
     <p:ext uri="{EFAFB233-063F-42B5-8137-9DF3F51BA10A}">
-      <p15:sldGuideLst xmlns:p15="http://schemas.microsoft.com/office/powerpoint/2012/main">
+      <p15:sldGuideLst xmlns:p15="http://schemas.microsoft.com/office/powerpoint/2012/main" xmlns="">
         <p15:guide id="1" orient="horz" pos="2158">
           <p15:clr>
             <a:srgbClr val="A4A3A4"/>
@@ -1540,6 +1540,14 @@
         </dgm:presLayoutVars>
       </dgm:prSet>
       <dgm:spPr/>
+      <dgm:t>
+        <a:bodyPr/>
+        <a:lstStyle/>
+        <a:p>
+          <a:pPr latinLnBrk="1"/>
+          <a:endParaRPr lang="ko-KR" altLang="en-US"/>
+        </a:p>
+      </dgm:t>
     </dgm:pt>
     <dgm:pt modelId="{9F0CE2D9-02E5-4254-B4B2-A2CD77FB13E6}" type="pres">
       <dgm:prSet presAssocID="{E5F62516-01CF-4DB6-BB1F-38B43E84A721}" presName="root1" presStyleCnt="0"/>
@@ -1552,6 +1560,14 @@
         </dgm:presLayoutVars>
       </dgm:prSet>
       <dgm:spPr/>
+      <dgm:t>
+        <a:bodyPr/>
+        <a:lstStyle/>
+        <a:p>
+          <a:pPr latinLnBrk="1"/>
+          <a:endParaRPr lang="ko-KR" altLang="en-US"/>
+        </a:p>
+      </dgm:t>
     </dgm:pt>
     <dgm:pt modelId="{056B8400-5FB6-4112-9BA0-DD8A2372803B}" type="pres">
       <dgm:prSet presAssocID="{E5F62516-01CF-4DB6-BB1F-38B43E84A721}" presName="level2hierChild" presStyleCnt="0"/>
@@ -1560,10 +1576,26 @@
     <dgm:pt modelId="{0363E5F5-4FE5-4F3A-81C8-7E5B21FFCF2B}" type="pres">
       <dgm:prSet presAssocID="{FE82EBBE-8A94-47F9-B245-025527CA1FD1}" presName="conn2-1" presStyleLbl="parChTrans1D2" presStyleIdx="0" presStyleCnt="3"/>
       <dgm:spPr/>
+      <dgm:t>
+        <a:bodyPr/>
+        <a:lstStyle/>
+        <a:p>
+          <a:pPr latinLnBrk="1"/>
+          <a:endParaRPr lang="ko-KR" altLang="en-US"/>
+        </a:p>
+      </dgm:t>
     </dgm:pt>
     <dgm:pt modelId="{B65140AB-4A41-4A45-BDFF-490F399D134A}" type="pres">
       <dgm:prSet presAssocID="{FE82EBBE-8A94-47F9-B245-025527CA1FD1}" presName="connTx" presStyleLbl="parChTrans1D2" presStyleIdx="0" presStyleCnt="3"/>
       <dgm:spPr/>
+      <dgm:t>
+        <a:bodyPr/>
+        <a:lstStyle/>
+        <a:p>
+          <a:pPr latinLnBrk="1"/>
+          <a:endParaRPr lang="ko-KR" altLang="en-US"/>
+        </a:p>
+      </dgm:t>
     </dgm:pt>
     <dgm:pt modelId="{B85FCBFB-523E-4138-BFD0-7BE05A108112}" type="pres">
       <dgm:prSet presAssocID="{BA50DA82-B404-439A-B288-B91EBCE8B0E7}" presName="root2" presStyleCnt="0"/>
@@ -1576,6 +1608,14 @@
         </dgm:presLayoutVars>
       </dgm:prSet>
       <dgm:spPr/>
+      <dgm:t>
+        <a:bodyPr/>
+        <a:lstStyle/>
+        <a:p>
+          <a:pPr latinLnBrk="1"/>
+          <a:endParaRPr lang="ko-KR" altLang="en-US"/>
+        </a:p>
+      </dgm:t>
     </dgm:pt>
     <dgm:pt modelId="{2E2D764D-838C-404B-9359-ED281D901434}" type="pres">
       <dgm:prSet presAssocID="{BA50DA82-B404-439A-B288-B91EBCE8B0E7}" presName="level3hierChild" presStyleCnt="0"/>
@@ -1584,10 +1624,26 @@
     <dgm:pt modelId="{9C1BAD27-D9D8-44A0-944C-CA7057CD85F3}" type="pres">
       <dgm:prSet presAssocID="{595F29A4-90E3-4797-8FEA-0990BED74A3D}" presName="conn2-1" presStyleLbl="parChTrans1D3" presStyleIdx="0" presStyleCnt="9"/>
       <dgm:spPr/>
+      <dgm:t>
+        <a:bodyPr/>
+        <a:lstStyle/>
+        <a:p>
+          <a:pPr latinLnBrk="1"/>
+          <a:endParaRPr lang="ko-KR" altLang="en-US"/>
+        </a:p>
+      </dgm:t>
     </dgm:pt>
     <dgm:pt modelId="{57867033-C2AC-4163-A500-F68C008210B3}" type="pres">
       <dgm:prSet presAssocID="{595F29A4-90E3-4797-8FEA-0990BED74A3D}" presName="connTx" presStyleLbl="parChTrans1D3" presStyleIdx="0" presStyleCnt="9"/>
       <dgm:spPr/>
+      <dgm:t>
+        <a:bodyPr/>
+        <a:lstStyle/>
+        <a:p>
+          <a:pPr latinLnBrk="1"/>
+          <a:endParaRPr lang="ko-KR" altLang="en-US"/>
+        </a:p>
+      </dgm:t>
     </dgm:pt>
     <dgm:pt modelId="{C42BAB39-66BC-443D-AED6-867724B922F2}" type="pres">
       <dgm:prSet presAssocID="{9DF0F758-A842-4A79-A666-23D7239D504D}" presName="root2" presStyleCnt="0"/>
@@ -1600,6 +1656,14 @@
         </dgm:presLayoutVars>
       </dgm:prSet>
       <dgm:spPr/>
+      <dgm:t>
+        <a:bodyPr/>
+        <a:lstStyle/>
+        <a:p>
+          <a:pPr latinLnBrk="1"/>
+          <a:endParaRPr lang="ko-KR" altLang="en-US"/>
+        </a:p>
+      </dgm:t>
     </dgm:pt>
     <dgm:pt modelId="{F9D7F51C-3566-45EB-A974-77D1DC0F367B}" type="pres">
       <dgm:prSet presAssocID="{9DF0F758-A842-4A79-A666-23D7239D504D}" presName="level3hierChild" presStyleCnt="0"/>
@@ -1608,10 +1672,26 @@
     <dgm:pt modelId="{A5C4A1C8-73A8-4B72-941D-4F492697B460}" type="pres">
       <dgm:prSet presAssocID="{EDC83CEA-FBFB-4D9C-80B6-2C8A80030D9C}" presName="conn2-1" presStyleLbl="parChTrans1D3" presStyleIdx="1" presStyleCnt="9"/>
       <dgm:spPr/>
+      <dgm:t>
+        <a:bodyPr/>
+        <a:lstStyle/>
+        <a:p>
+          <a:pPr latinLnBrk="1"/>
+          <a:endParaRPr lang="ko-KR" altLang="en-US"/>
+        </a:p>
+      </dgm:t>
     </dgm:pt>
     <dgm:pt modelId="{5566861F-BD9B-4EA0-A910-96DE88102F87}" type="pres">
       <dgm:prSet presAssocID="{EDC83CEA-FBFB-4D9C-80B6-2C8A80030D9C}" presName="connTx" presStyleLbl="parChTrans1D3" presStyleIdx="1" presStyleCnt="9"/>
       <dgm:spPr/>
+      <dgm:t>
+        <a:bodyPr/>
+        <a:lstStyle/>
+        <a:p>
+          <a:pPr latinLnBrk="1"/>
+          <a:endParaRPr lang="ko-KR" altLang="en-US"/>
+        </a:p>
+      </dgm:t>
     </dgm:pt>
     <dgm:pt modelId="{9577312A-8F52-41DD-B4A6-5F46AAFFCD46}" type="pres">
       <dgm:prSet presAssocID="{407D512A-517F-44AE-93FD-03CBA9D97CAE}" presName="root2" presStyleCnt="0"/>
@@ -1624,6 +1704,14 @@
         </dgm:presLayoutVars>
       </dgm:prSet>
       <dgm:spPr/>
+      <dgm:t>
+        <a:bodyPr/>
+        <a:lstStyle/>
+        <a:p>
+          <a:pPr latinLnBrk="1"/>
+          <a:endParaRPr lang="ko-KR" altLang="en-US"/>
+        </a:p>
+      </dgm:t>
     </dgm:pt>
     <dgm:pt modelId="{769DC1EA-8E50-4472-A107-72D685B86B84}" type="pres">
       <dgm:prSet presAssocID="{407D512A-517F-44AE-93FD-03CBA9D97CAE}" presName="level3hierChild" presStyleCnt="0"/>
@@ -1632,10 +1720,26 @@
     <dgm:pt modelId="{037A22CC-25B2-495F-831B-B1CE209BF0F7}" type="pres">
       <dgm:prSet presAssocID="{0EB0EE07-9DF6-4DE4-80C6-9A0E8B22E926}" presName="conn2-1" presStyleLbl="parChTrans1D3" presStyleIdx="2" presStyleCnt="9"/>
       <dgm:spPr/>
+      <dgm:t>
+        <a:bodyPr/>
+        <a:lstStyle/>
+        <a:p>
+          <a:pPr latinLnBrk="1"/>
+          <a:endParaRPr lang="ko-KR" altLang="en-US"/>
+        </a:p>
+      </dgm:t>
     </dgm:pt>
     <dgm:pt modelId="{97742C02-25A4-4C79-B8E9-9B25141DDAF6}" type="pres">
       <dgm:prSet presAssocID="{0EB0EE07-9DF6-4DE4-80C6-9A0E8B22E926}" presName="connTx" presStyleLbl="parChTrans1D3" presStyleIdx="2" presStyleCnt="9"/>
       <dgm:spPr/>
+      <dgm:t>
+        <a:bodyPr/>
+        <a:lstStyle/>
+        <a:p>
+          <a:pPr latinLnBrk="1"/>
+          <a:endParaRPr lang="ko-KR" altLang="en-US"/>
+        </a:p>
+      </dgm:t>
     </dgm:pt>
     <dgm:pt modelId="{7D5567FE-83A7-4F47-97F3-F175546866A5}" type="pres">
       <dgm:prSet presAssocID="{D8C5685F-0394-4DD6-8AA5-F5DE57DC79EF}" presName="root2" presStyleCnt="0"/>
@@ -1648,6 +1752,14 @@
         </dgm:presLayoutVars>
       </dgm:prSet>
       <dgm:spPr/>
+      <dgm:t>
+        <a:bodyPr/>
+        <a:lstStyle/>
+        <a:p>
+          <a:pPr latinLnBrk="1"/>
+          <a:endParaRPr lang="ko-KR" altLang="en-US"/>
+        </a:p>
+      </dgm:t>
     </dgm:pt>
     <dgm:pt modelId="{A9015948-C978-4BA0-AF2F-A7FB8ABED85D}" type="pres">
       <dgm:prSet presAssocID="{D8C5685F-0394-4DD6-8AA5-F5DE57DC79EF}" presName="level3hierChild" presStyleCnt="0"/>
@@ -1656,10 +1768,26 @@
     <dgm:pt modelId="{4121AFB2-2918-4F03-91B1-79AACF12CF03}" type="pres">
       <dgm:prSet presAssocID="{F9FA4EB8-20E1-4B09-B80C-7F714C35D295}" presName="conn2-1" presStyleLbl="parChTrans1D2" presStyleIdx="1" presStyleCnt="3"/>
       <dgm:spPr/>
+      <dgm:t>
+        <a:bodyPr/>
+        <a:lstStyle/>
+        <a:p>
+          <a:pPr latinLnBrk="1"/>
+          <a:endParaRPr lang="ko-KR" altLang="en-US"/>
+        </a:p>
+      </dgm:t>
     </dgm:pt>
     <dgm:pt modelId="{796873E9-BDEA-447A-B078-690B2789FBC0}" type="pres">
       <dgm:prSet presAssocID="{F9FA4EB8-20E1-4B09-B80C-7F714C35D295}" presName="connTx" presStyleLbl="parChTrans1D2" presStyleIdx="1" presStyleCnt="3"/>
       <dgm:spPr/>
+      <dgm:t>
+        <a:bodyPr/>
+        <a:lstStyle/>
+        <a:p>
+          <a:pPr latinLnBrk="1"/>
+          <a:endParaRPr lang="ko-KR" altLang="en-US"/>
+        </a:p>
+      </dgm:t>
     </dgm:pt>
     <dgm:pt modelId="{4F759843-A9B8-4BEB-BA95-D6B2FF399063}" type="pres">
       <dgm:prSet presAssocID="{FD4DDD28-3EE1-488E-AB33-110339E6AB13}" presName="root2" presStyleCnt="0"/>
@@ -1672,6 +1800,14 @@
         </dgm:presLayoutVars>
       </dgm:prSet>
       <dgm:spPr/>
+      <dgm:t>
+        <a:bodyPr/>
+        <a:lstStyle/>
+        <a:p>
+          <a:pPr latinLnBrk="1"/>
+          <a:endParaRPr lang="ko-KR" altLang="en-US"/>
+        </a:p>
+      </dgm:t>
     </dgm:pt>
     <dgm:pt modelId="{769F9D1D-0094-406C-9532-8E3147BBA5A6}" type="pres">
       <dgm:prSet presAssocID="{FD4DDD28-3EE1-488E-AB33-110339E6AB13}" presName="level3hierChild" presStyleCnt="0"/>
@@ -1680,10 +1816,26 @@
     <dgm:pt modelId="{9C3ACF00-CF92-48F5-A75B-800978567C18}" type="pres">
       <dgm:prSet presAssocID="{1922DBBF-A48A-477A-806A-5A048F427831}" presName="conn2-1" presStyleLbl="parChTrans1D3" presStyleIdx="3" presStyleCnt="9"/>
       <dgm:spPr/>
+      <dgm:t>
+        <a:bodyPr/>
+        <a:lstStyle/>
+        <a:p>
+          <a:pPr latinLnBrk="1"/>
+          <a:endParaRPr lang="ko-KR" altLang="en-US"/>
+        </a:p>
+      </dgm:t>
     </dgm:pt>
     <dgm:pt modelId="{E8E82A3A-F6F3-4426-80C7-C789EC97D8F5}" type="pres">
       <dgm:prSet presAssocID="{1922DBBF-A48A-477A-806A-5A048F427831}" presName="connTx" presStyleLbl="parChTrans1D3" presStyleIdx="3" presStyleCnt="9"/>
       <dgm:spPr/>
+      <dgm:t>
+        <a:bodyPr/>
+        <a:lstStyle/>
+        <a:p>
+          <a:pPr latinLnBrk="1"/>
+          <a:endParaRPr lang="ko-KR" altLang="en-US"/>
+        </a:p>
+      </dgm:t>
     </dgm:pt>
     <dgm:pt modelId="{F21039EA-9018-43F7-9882-DACD9A89C948}" type="pres">
       <dgm:prSet presAssocID="{BA10FED7-80A3-4884-AA4C-F0C07184219A}" presName="root2" presStyleCnt="0"/>
@@ -1696,6 +1848,14 @@
         </dgm:presLayoutVars>
       </dgm:prSet>
       <dgm:spPr/>
+      <dgm:t>
+        <a:bodyPr/>
+        <a:lstStyle/>
+        <a:p>
+          <a:pPr latinLnBrk="1"/>
+          <a:endParaRPr lang="ko-KR" altLang="en-US"/>
+        </a:p>
+      </dgm:t>
     </dgm:pt>
     <dgm:pt modelId="{991A6FF6-6AB7-49F1-9893-EC6C1A479CBC}" type="pres">
       <dgm:prSet presAssocID="{BA10FED7-80A3-4884-AA4C-F0C07184219A}" presName="level3hierChild" presStyleCnt="0"/>
@@ -1704,10 +1864,26 @@
     <dgm:pt modelId="{46ED25BE-9861-47E3-88A2-1EFA2269C044}" type="pres">
       <dgm:prSet presAssocID="{C76C2BE5-76F4-4171-B3D6-F40EC441C1EF}" presName="conn2-1" presStyleLbl="parChTrans1D3" presStyleIdx="4" presStyleCnt="9"/>
       <dgm:spPr/>
+      <dgm:t>
+        <a:bodyPr/>
+        <a:lstStyle/>
+        <a:p>
+          <a:pPr latinLnBrk="1"/>
+          <a:endParaRPr lang="ko-KR" altLang="en-US"/>
+        </a:p>
+      </dgm:t>
     </dgm:pt>
     <dgm:pt modelId="{0F961E2D-4E35-45D5-BA86-2A7FCFC9549D}" type="pres">
       <dgm:prSet presAssocID="{C76C2BE5-76F4-4171-B3D6-F40EC441C1EF}" presName="connTx" presStyleLbl="parChTrans1D3" presStyleIdx="4" presStyleCnt="9"/>
       <dgm:spPr/>
+      <dgm:t>
+        <a:bodyPr/>
+        <a:lstStyle/>
+        <a:p>
+          <a:pPr latinLnBrk="1"/>
+          <a:endParaRPr lang="ko-KR" altLang="en-US"/>
+        </a:p>
+      </dgm:t>
     </dgm:pt>
     <dgm:pt modelId="{08375F19-4D76-4157-9C8D-30F45B063CD8}" type="pres">
       <dgm:prSet presAssocID="{4C1EEB3A-8BE6-489F-B2B3-1DB7665FB734}" presName="root2" presStyleCnt="0"/>
@@ -1720,6 +1896,14 @@
         </dgm:presLayoutVars>
       </dgm:prSet>
       <dgm:spPr/>
+      <dgm:t>
+        <a:bodyPr/>
+        <a:lstStyle/>
+        <a:p>
+          <a:pPr latinLnBrk="1"/>
+          <a:endParaRPr lang="ko-KR" altLang="en-US"/>
+        </a:p>
+      </dgm:t>
     </dgm:pt>
     <dgm:pt modelId="{DEF64297-D485-4D69-B356-942E564A950F}" type="pres">
       <dgm:prSet presAssocID="{4C1EEB3A-8BE6-489F-B2B3-1DB7665FB734}" presName="level3hierChild" presStyleCnt="0"/>
@@ -1728,10 +1912,26 @@
     <dgm:pt modelId="{B4AB0021-7176-44FF-8DC4-E8C74BB4AC26}" type="pres">
       <dgm:prSet presAssocID="{CD830466-856F-44D5-AA98-9CB0C8E43A79}" presName="conn2-1" presStyleLbl="parChTrans1D3" presStyleIdx="5" presStyleCnt="9"/>
       <dgm:spPr/>
+      <dgm:t>
+        <a:bodyPr/>
+        <a:lstStyle/>
+        <a:p>
+          <a:pPr latinLnBrk="1"/>
+          <a:endParaRPr lang="ko-KR" altLang="en-US"/>
+        </a:p>
+      </dgm:t>
     </dgm:pt>
     <dgm:pt modelId="{8EE2C59D-E8C1-48DC-A8CB-0B26B71AD17C}" type="pres">
       <dgm:prSet presAssocID="{CD830466-856F-44D5-AA98-9CB0C8E43A79}" presName="connTx" presStyleLbl="parChTrans1D3" presStyleIdx="5" presStyleCnt="9"/>
       <dgm:spPr/>
+      <dgm:t>
+        <a:bodyPr/>
+        <a:lstStyle/>
+        <a:p>
+          <a:pPr latinLnBrk="1"/>
+          <a:endParaRPr lang="ko-KR" altLang="en-US"/>
+        </a:p>
+      </dgm:t>
     </dgm:pt>
     <dgm:pt modelId="{FAEE2BC4-F4F4-48B4-BAAB-9FCDBEB0B8E9}" type="pres">
       <dgm:prSet presAssocID="{F046209E-06D6-454B-8D62-48E93088ED96}" presName="root2" presStyleCnt="0"/>
@@ -1744,6 +1944,14 @@
         </dgm:presLayoutVars>
       </dgm:prSet>
       <dgm:spPr/>
+      <dgm:t>
+        <a:bodyPr/>
+        <a:lstStyle/>
+        <a:p>
+          <a:pPr latinLnBrk="1"/>
+          <a:endParaRPr lang="ko-KR" altLang="en-US"/>
+        </a:p>
+      </dgm:t>
     </dgm:pt>
     <dgm:pt modelId="{21BF5B8B-B263-4C22-AF13-B348E53BA723}" type="pres">
       <dgm:prSet presAssocID="{F046209E-06D6-454B-8D62-48E93088ED96}" presName="level3hierChild" presStyleCnt="0"/>
@@ -1752,10 +1960,26 @@
     <dgm:pt modelId="{3EA4D021-7002-47B3-980B-92667A9A2EDB}" type="pres">
       <dgm:prSet presAssocID="{BDF486DE-93F8-4735-BC7E-B6B52DC80DCF}" presName="conn2-1" presStyleLbl="parChTrans1D2" presStyleIdx="2" presStyleCnt="3"/>
       <dgm:spPr/>
+      <dgm:t>
+        <a:bodyPr/>
+        <a:lstStyle/>
+        <a:p>
+          <a:pPr latinLnBrk="1"/>
+          <a:endParaRPr lang="ko-KR" altLang="en-US"/>
+        </a:p>
+      </dgm:t>
     </dgm:pt>
     <dgm:pt modelId="{5C460507-BDDF-4CB1-B50E-ADAF4AE7A132}" type="pres">
       <dgm:prSet presAssocID="{BDF486DE-93F8-4735-BC7E-B6B52DC80DCF}" presName="connTx" presStyleLbl="parChTrans1D2" presStyleIdx="2" presStyleCnt="3"/>
       <dgm:spPr/>
+      <dgm:t>
+        <a:bodyPr/>
+        <a:lstStyle/>
+        <a:p>
+          <a:pPr latinLnBrk="1"/>
+          <a:endParaRPr lang="ko-KR" altLang="en-US"/>
+        </a:p>
+      </dgm:t>
     </dgm:pt>
     <dgm:pt modelId="{42E6CA76-86B7-4D8A-9E08-1C6877D38CFF}" type="pres">
       <dgm:prSet presAssocID="{8A3244F2-D520-4B30-A346-16859A951237}" presName="root2" presStyleCnt="0"/>
@@ -1768,6 +1992,14 @@
         </dgm:presLayoutVars>
       </dgm:prSet>
       <dgm:spPr/>
+      <dgm:t>
+        <a:bodyPr/>
+        <a:lstStyle/>
+        <a:p>
+          <a:pPr latinLnBrk="1"/>
+          <a:endParaRPr lang="ko-KR" altLang="en-US"/>
+        </a:p>
+      </dgm:t>
     </dgm:pt>
     <dgm:pt modelId="{1189042B-EC62-48FA-86F7-7E4A26E908EA}" type="pres">
       <dgm:prSet presAssocID="{8A3244F2-D520-4B30-A346-16859A951237}" presName="level3hierChild" presStyleCnt="0"/>
@@ -1776,10 +2008,26 @@
     <dgm:pt modelId="{1C516536-5A54-42EA-B726-499F67871F6C}" type="pres">
       <dgm:prSet presAssocID="{5E71BE89-5F54-4E49-89FC-36D15D5E9E6E}" presName="conn2-1" presStyleLbl="parChTrans1D3" presStyleIdx="6" presStyleCnt="9"/>
       <dgm:spPr/>
+      <dgm:t>
+        <a:bodyPr/>
+        <a:lstStyle/>
+        <a:p>
+          <a:pPr latinLnBrk="1"/>
+          <a:endParaRPr lang="ko-KR" altLang="en-US"/>
+        </a:p>
+      </dgm:t>
     </dgm:pt>
     <dgm:pt modelId="{B33C994A-A054-470B-AA76-00B82CEB9A6E}" type="pres">
       <dgm:prSet presAssocID="{5E71BE89-5F54-4E49-89FC-36D15D5E9E6E}" presName="connTx" presStyleLbl="parChTrans1D3" presStyleIdx="6" presStyleCnt="9"/>
       <dgm:spPr/>
+      <dgm:t>
+        <a:bodyPr/>
+        <a:lstStyle/>
+        <a:p>
+          <a:pPr latinLnBrk="1"/>
+          <a:endParaRPr lang="ko-KR" altLang="en-US"/>
+        </a:p>
+      </dgm:t>
     </dgm:pt>
     <dgm:pt modelId="{8D49734F-1AF5-4522-917B-D76ECDD0A1B3}" type="pres">
       <dgm:prSet presAssocID="{B9529705-11E0-4724-98FC-8848B37735E1}" presName="root2" presStyleCnt="0"/>
@@ -1792,6 +2040,14 @@
         </dgm:presLayoutVars>
       </dgm:prSet>
       <dgm:spPr/>
+      <dgm:t>
+        <a:bodyPr/>
+        <a:lstStyle/>
+        <a:p>
+          <a:pPr latinLnBrk="1"/>
+          <a:endParaRPr lang="ko-KR" altLang="en-US"/>
+        </a:p>
+      </dgm:t>
     </dgm:pt>
     <dgm:pt modelId="{D5FC523A-927E-4203-8459-A164D27C1B1E}" type="pres">
       <dgm:prSet presAssocID="{B9529705-11E0-4724-98FC-8848B37735E1}" presName="level3hierChild" presStyleCnt="0"/>
@@ -1800,10 +2056,26 @@
     <dgm:pt modelId="{0DCA7411-7FCA-4E1A-B2CA-57DF6BE1C168}" type="pres">
       <dgm:prSet presAssocID="{B4BA39CC-192E-4E8E-AB6E-D2941141E2FC}" presName="conn2-1" presStyleLbl="parChTrans1D3" presStyleIdx="7" presStyleCnt="9"/>
       <dgm:spPr/>
+      <dgm:t>
+        <a:bodyPr/>
+        <a:lstStyle/>
+        <a:p>
+          <a:pPr latinLnBrk="1"/>
+          <a:endParaRPr lang="ko-KR" altLang="en-US"/>
+        </a:p>
+      </dgm:t>
     </dgm:pt>
     <dgm:pt modelId="{B89F4388-14B0-487E-80BC-933EB0B320B3}" type="pres">
       <dgm:prSet presAssocID="{B4BA39CC-192E-4E8E-AB6E-D2941141E2FC}" presName="connTx" presStyleLbl="parChTrans1D3" presStyleIdx="7" presStyleCnt="9"/>
       <dgm:spPr/>
+      <dgm:t>
+        <a:bodyPr/>
+        <a:lstStyle/>
+        <a:p>
+          <a:pPr latinLnBrk="1"/>
+          <a:endParaRPr lang="ko-KR" altLang="en-US"/>
+        </a:p>
+      </dgm:t>
     </dgm:pt>
     <dgm:pt modelId="{8BDCC619-3A8C-4745-BEF5-D80AA36075EA}" type="pres">
       <dgm:prSet presAssocID="{25B0719F-BE68-4CAA-B8CC-CDA17008AD42}" presName="root2" presStyleCnt="0"/>
@@ -1816,6 +2088,14 @@
         </dgm:presLayoutVars>
       </dgm:prSet>
       <dgm:spPr/>
+      <dgm:t>
+        <a:bodyPr/>
+        <a:lstStyle/>
+        <a:p>
+          <a:pPr latinLnBrk="1"/>
+          <a:endParaRPr lang="ko-KR" altLang="en-US"/>
+        </a:p>
+      </dgm:t>
     </dgm:pt>
     <dgm:pt modelId="{ED91DEB5-619E-47E9-94B8-A95CB555ECB5}" type="pres">
       <dgm:prSet presAssocID="{25B0719F-BE68-4CAA-B8CC-CDA17008AD42}" presName="level3hierChild" presStyleCnt="0"/>
@@ -1824,10 +2104,26 @@
     <dgm:pt modelId="{00383131-60DA-4BF4-A791-01E7781DEBB3}" type="pres">
       <dgm:prSet presAssocID="{DFE837E1-6F48-4149-9E3A-FFAF7AFA6C48}" presName="conn2-1" presStyleLbl="parChTrans1D3" presStyleIdx="8" presStyleCnt="9"/>
       <dgm:spPr/>
+      <dgm:t>
+        <a:bodyPr/>
+        <a:lstStyle/>
+        <a:p>
+          <a:pPr latinLnBrk="1"/>
+          <a:endParaRPr lang="ko-KR" altLang="en-US"/>
+        </a:p>
+      </dgm:t>
     </dgm:pt>
     <dgm:pt modelId="{C1BABF11-DF0C-4777-9570-8F1ADA992155}" type="pres">
       <dgm:prSet presAssocID="{DFE837E1-6F48-4149-9E3A-FFAF7AFA6C48}" presName="connTx" presStyleLbl="parChTrans1D3" presStyleIdx="8" presStyleCnt="9"/>
       <dgm:spPr/>
+      <dgm:t>
+        <a:bodyPr/>
+        <a:lstStyle/>
+        <a:p>
+          <a:pPr latinLnBrk="1"/>
+          <a:endParaRPr lang="ko-KR" altLang="en-US"/>
+        </a:p>
+      </dgm:t>
     </dgm:pt>
     <dgm:pt modelId="{3F37438C-EFEB-4838-A12C-25F91603B290}" type="pres">
       <dgm:prSet presAssocID="{77ED947D-8657-44FC-BFC5-979534480EA6}" presName="root2" presStyleCnt="0"/>
@@ -1840,6 +2136,14 @@
         </dgm:presLayoutVars>
       </dgm:prSet>
       <dgm:spPr/>
+      <dgm:t>
+        <a:bodyPr/>
+        <a:lstStyle/>
+        <a:p>
+          <a:pPr latinLnBrk="1"/>
+          <a:endParaRPr lang="ko-KR" altLang="en-US"/>
+        </a:p>
+      </dgm:t>
     </dgm:pt>
     <dgm:pt modelId="{4C0BB098-AC1D-4D3C-8AC0-5D386A4E62F5}" type="pres">
       <dgm:prSet presAssocID="{77ED947D-8657-44FC-BFC5-979534480EA6}" presName="level3hierChild" presStyleCnt="0"/>
@@ -1847,57 +2151,57 @@
     </dgm:pt>
   </dgm:ptLst>
   <dgm:cxnLst>
+    <dgm:cxn modelId="{459C475B-C51C-474B-8C99-8A0F5BAAFD41}" srcId="{E5F62516-01CF-4DB6-BB1F-38B43E84A721}" destId="{8A3244F2-D520-4B30-A346-16859A951237}" srcOrd="2" destOrd="0" parTransId="{BDF486DE-93F8-4735-BC7E-B6B52DC80DCF}" sibTransId="{E742A4D5-3D00-4EF4-A1DA-A5D47BFC90E6}"/>
+    <dgm:cxn modelId="{D6173FC6-CB98-4979-809D-40A9C4073C26}" type="presOf" srcId="{DFE837E1-6F48-4149-9E3A-FFAF7AFA6C48}" destId="{C1BABF11-DF0C-4777-9570-8F1ADA992155}" srcOrd="1" destOrd="0" presId="urn:microsoft.com/office/officeart/2005/8/layout/hierarchy2"/>
+    <dgm:cxn modelId="{ED6BE73D-3AA3-4555-864D-66D06C436C3B}" type="presOf" srcId="{F046209E-06D6-454B-8D62-48E93088ED96}" destId="{DBCB3A37-9224-4E4D-8199-B19481409D35}" srcOrd="0" destOrd="0" presId="urn:microsoft.com/office/officeart/2005/8/layout/hierarchy2"/>
+    <dgm:cxn modelId="{3B88D76E-51EE-4725-B187-F4F0AC28EA17}" type="presOf" srcId="{F9FA4EB8-20E1-4B09-B80C-7F714C35D295}" destId="{796873E9-BDEA-447A-B078-690B2789FBC0}" srcOrd="1" destOrd="0" presId="urn:microsoft.com/office/officeart/2005/8/layout/hierarchy2"/>
+    <dgm:cxn modelId="{9793211E-073A-47BD-83F6-38D77CD6017E}" type="presOf" srcId="{EDC83CEA-FBFB-4D9C-80B6-2C8A80030D9C}" destId="{A5C4A1C8-73A8-4B72-941D-4F492697B460}" srcOrd="0" destOrd="0" presId="urn:microsoft.com/office/officeart/2005/8/layout/hierarchy2"/>
+    <dgm:cxn modelId="{6E170CE2-C41F-447C-A36C-D9BBDCBBE065}" type="presOf" srcId="{5E71BE89-5F54-4E49-89FC-36D15D5E9E6E}" destId="{B33C994A-A054-470B-AA76-00B82CEB9A6E}" srcOrd="1" destOrd="0" presId="urn:microsoft.com/office/officeart/2005/8/layout/hierarchy2"/>
+    <dgm:cxn modelId="{EC3C7445-CFE0-4669-B8E8-4E36DB68CF36}" type="presOf" srcId="{77ED947D-8657-44FC-BFC5-979534480EA6}" destId="{6FE38A1C-1241-4659-8A64-40D72C354CC7}" srcOrd="0" destOrd="0" presId="urn:microsoft.com/office/officeart/2005/8/layout/hierarchy2"/>
+    <dgm:cxn modelId="{91687EE0-964E-4E2D-A722-B9CEFAC29DF9}" type="presOf" srcId="{595F29A4-90E3-4797-8FEA-0990BED74A3D}" destId="{57867033-C2AC-4163-A500-F68C008210B3}" srcOrd="1" destOrd="0" presId="urn:microsoft.com/office/officeart/2005/8/layout/hierarchy2"/>
+    <dgm:cxn modelId="{B2991170-3775-43CA-9D94-F588639F1C26}" type="presOf" srcId="{C76C2BE5-76F4-4171-B3D6-F40EC441C1EF}" destId="{0F961E2D-4E35-45D5-BA86-2A7FCFC9549D}" srcOrd="1" destOrd="0" presId="urn:microsoft.com/office/officeart/2005/8/layout/hierarchy2"/>
+    <dgm:cxn modelId="{41B69B54-6622-49EB-A258-0084680C5BBB}" type="presOf" srcId="{5E71BE89-5F54-4E49-89FC-36D15D5E9E6E}" destId="{1C516536-5A54-42EA-B726-499F67871F6C}" srcOrd="0" destOrd="0" presId="urn:microsoft.com/office/officeart/2005/8/layout/hierarchy2"/>
+    <dgm:cxn modelId="{8AC334E7-6C7D-46D9-A88A-1273650DE828}" type="presOf" srcId="{CD830466-856F-44D5-AA98-9CB0C8E43A79}" destId="{8EE2C59D-E8C1-48DC-A8CB-0B26B71AD17C}" srcOrd="1" destOrd="0" presId="urn:microsoft.com/office/officeart/2005/8/layout/hierarchy2"/>
+    <dgm:cxn modelId="{CA860503-9332-4BAA-83B0-B3FCE29C0716}" srcId="{F4DC4CCD-2BAE-4AAD-8CDC-B833350D7319}" destId="{E5F62516-01CF-4DB6-BB1F-38B43E84A721}" srcOrd="0" destOrd="0" parTransId="{504531A7-E82A-4C0D-8A8E-33DC5497767E}" sibTransId="{3B3D1144-E212-4641-80A2-3E3E925C0A87}"/>
+    <dgm:cxn modelId="{3CF5FA66-5C64-40BC-915E-D9D1D1A219B5}" type="presOf" srcId="{F4DC4CCD-2BAE-4AAD-8CDC-B833350D7319}" destId="{572446F1-238C-4383-854F-0CA6BA9809ED}" srcOrd="0" destOrd="0" presId="urn:microsoft.com/office/officeart/2005/8/layout/hierarchy2"/>
+    <dgm:cxn modelId="{91383CA6-4799-4DF7-8E42-41C47330977C}" type="presOf" srcId="{1922DBBF-A48A-477A-806A-5A048F427831}" destId="{9C3ACF00-CF92-48F5-A75B-800978567C18}" srcOrd="0" destOrd="0" presId="urn:microsoft.com/office/officeart/2005/8/layout/hierarchy2"/>
+    <dgm:cxn modelId="{AB223D56-2336-4123-AD90-0D2E3D35A13D}" type="presOf" srcId="{D8C5685F-0394-4DD6-8AA5-F5DE57DC79EF}" destId="{FC5D5E09-FE9F-49AC-86D8-BDADBF0E1645}" srcOrd="0" destOrd="0" presId="urn:microsoft.com/office/officeart/2005/8/layout/hierarchy2"/>
+    <dgm:cxn modelId="{959B393A-C796-44AD-8F0F-4511BA687339}" srcId="{E5F62516-01CF-4DB6-BB1F-38B43E84A721}" destId="{FD4DDD28-3EE1-488E-AB33-110339E6AB13}" srcOrd="1" destOrd="0" parTransId="{F9FA4EB8-20E1-4B09-B80C-7F714C35D295}" sibTransId="{13BCB3B5-38CF-4E1A-96AB-27CFE077F7B7}"/>
+    <dgm:cxn modelId="{54EB0F8F-474C-4C8E-9BF5-85011838D741}" type="presOf" srcId="{BDF486DE-93F8-4735-BC7E-B6B52DC80DCF}" destId="{3EA4D021-7002-47B3-980B-92667A9A2EDB}" srcOrd="0" destOrd="0" presId="urn:microsoft.com/office/officeart/2005/8/layout/hierarchy2"/>
+    <dgm:cxn modelId="{B9D007D5-B4B0-43C5-A29B-E11B078BA19B}" srcId="{8A3244F2-D520-4B30-A346-16859A951237}" destId="{B9529705-11E0-4724-98FC-8848B37735E1}" srcOrd="0" destOrd="0" parTransId="{5E71BE89-5F54-4E49-89FC-36D15D5E9E6E}" sibTransId="{A3758750-CFF4-42AB-B092-36D24E7088D9}"/>
+    <dgm:cxn modelId="{8E2F06A3-5C2F-437A-B9CA-C409141F7B09}" srcId="{8A3244F2-D520-4B30-A346-16859A951237}" destId="{77ED947D-8657-44FC-BFC5-979534480EA6}" srcOrd="2" destOrd="0" parTransId="{DFE837E1-6F48-4149-9E3A-FFAF7AFA6C48}" sibTransId="{E1587F87-8FC2-4B27-A970-BE117B5E10EA}"/>
+    <dgm:cxn modelId="{846A5A78-B083-48F2-97DC-70929DE0A25F}" type="presOf" srcId="{0EB0EE07-9DF6-4DE4-80C6-9A0E8B22E926}" destId="{037A22CC-25B2-495F-831B-B1CE209BF0F7}" srcOrd="0" destOrd="0" presId="urn:microsoft.com/office/officeart/2005/8/layout/hierarchy2"/>
+    <dgm:cxn modelId="{FF457CF0-66D9-4A74-9A5B-20E555B9DC8A}" srcId="{E5F62516-01CF-4DB6-BB1F-38B43E84A721}" destId="{BA50DA82-B404-439A-B288-B91EBCE8B0E7}" srcOrd="0" destOrd="0" parTransId="{FE82EBBE-8A94-47F9-B245-025527CA1FD1}" sibTransId="{0A8C4C47-547B-440F-AAD0-38ADE9677B0C}"/>
+    <dgm:cxn modelId="{E9F7055B-D6C5-4B09-9AA1-3EA027B06F05}" type="presOf" srcId="{BA10FED7-80A3-4884-AA4C-F0C07184219A}" destId="{77C72B25-6C25-4BB6-8C9B-7A82A640589E}" srcOrd="0" destOrd="0" presId="urn:microsoft.com/office/officeart/2005/8/layout/hierarchy2"/>
+    <dgm:cxn modelId="{5DCB1BF1-DA80-40C2-907E-C9D3D11FA193}" type="presOf" srcId="{F9FA4EB8-20E1-4B09-B80C-7F714C35D295}" destId="{4121AFB2-2918-4F03-91B1-79AACF12CF03}" srcOrd="0" destOrd="0" presId="urn:microsoft.com/office/officeart/2005/8/layout/hierarchy2"/>
+    <dgm:cxn modelId="{CBF44456-BC41-4A0C-9CFC-BC798C7AF8AF}" type="presOf" srcId="{8A3244F2-D520-4B30-A346-16859A951237}" destId="{84C137FD-05F2-4D5C-BBB3-945F263BDFD2}" srcOrd="0" destOrd="0" presId="urn:microsoft.com/office/officeart/2005/8/layout/hierarchy2"/>
+    <dgm:cxn modelId="{29CA0D6A-1E02-4E49-A622-A1E255505E4C}" type="presOf" srcId="{EDC83CEA-FBFB-4D9C-80B6-2C8A80030D9C}" destId="{5566861F-BD9B-4EA0-A910-96DE88102F87}" srcOrd="1" destOrd="0" presId="urn:microsoft.com/office/officeart/2005/8/layout/hierarchy2"/>
+    <dgm:cxn modelId="{7C880731-72DC-4D73-AD15-A5D57751B25D}" type="presOf" srcId="{B4BA39CC-192E-4E8E-AB6E-D2941141E2FC}" destId="{B89F4388-14B0-487E-80BC-933EB0B320B3}" srcOrd="1" destOrd="0" presId="urn:microsoft.com/office/officeart/2005/8/layout/hierarchy2"/>
+    <dgm:cxn modelId="{EFA918AC-3D5B-4E23-9E16-7019419D4272}" type="presOf" srcId="{B4BA39CC-192E-4E8E-AB6E-D2941141E2FC}" destId="{0DCA7411-7FCA-4E1A-B2CA-57DF6BE1C168}" srcOrd="0" destOrd="0" presId="urn:microsoft.com/office/officeart/2005/8/layout/hierarchy2"/>
+    <dgm:cxn modelId="{06035885-7165-4657-8DAD-01004BA6B499}" type="presOf" srcId="{FD4DDD28-3EE1-488E-AB33-110339E6AB13}" destId="{793486AC-7C18-4D89-BC98-03959D4A72F9}" srcOrd="0" destOrd="0" presId="urn:microsoft.com/office/officeart/2005/8/layout/hierarchy2"/>
+    <dgm:cxn modelId="{3EE034A9-5679-47D4-8AE6-3CEF26D56CB0}" type="presOf" srcId="{DFE837E1-6F48-4149-9E3A-FFAF7AFA6C48}" destId="{00383131-60DA-4BF4-A791-01E7781DEBB3}" srcOrd="0" destOrd="0" presId="urn:microsoft.com/office/officeart/2005/8/layout/hierarchy2"/>
+    <dgm:cxn modelId="{59C06ADA-1EB6-4EC9-9A62-279B4A7A2D41}" srcId="{BA50DA82-B404-439A-B288-B91EBCE8B0E7}" destId="{407D512A-517F-44AE-93FD-03CBA9D97CAE}" srcOrd="1" destOrd="0" parTransId="{EDC83CEA-FBFB-4D9C-80B6-2C8A80030D9C}" sibTransId="{E1D0DA4F-C1DF-4830-91D7-96289C2EBEE1}"/>
+    <dgm:cxn modelId="{8E0BEF62-B080-4A69-8915-95E0B71791DD}" type="presOf" srcId="{9DF0F758-A842-4A79-A666-23D7239D504D}" destId="{BAB839F8-872A-40F9-AD4D-C200A7ECB40E}" srcOrd="0" destOrd="0" presId="urn:microsoft.com/office/officeart/2005/8/layout/hierarchy2"/>
+    <dgm:cxn modelId="{9EE1BDCE-183F-4D29-B9DB-F3FC11905FD1}" type="presOf" srcId="{407D512A-517F-44AE-93FD-03CBA9D97CAE}" destId="{CA5BEC94-E815-44AD-937E-140831C6A631}" srcOrd="0" destOrd="0" presId="urn:microsoft.com/office/officeart/2005/8/layout/hierarchy2"/>
+    <dgm:cxn modelId="{56E74290-1EE4-43A6-B6F3-35E2007D2F5A}" srcId="{8A3244F2-D520-4B30-A346-16859A951237}" destId="{25B0719F-BE68-4CAA-B8CC-CDA17008AD42}" srcOrd="1" destOrd="0" parTransId="{B4BA39CC-192E-4E8E-AB6E-D2941141E2FC}" sibTransId="{09C23214-0DFB-47C9-83F3-70003973EE73}"/>
+    <dgm:cxn modelId="{27FA305F-A62A-40F8-8C1D-B275FB4F8ED1}" type="presOf" srcId="{0EB0EE07-9DF6-4DE4-80C6-9A0E8B22E926}" destId="{97742C02-25A4-4C79-B8E9-9B25141DDAF6}" srcOrd="1" destOrd="0" presId="urn:microsoft.com/office/officeart/2005/8/layout/hierarchy2"/>
+    <dgm:cxn modelId="{B403E043-9497-4912-8A9D-1CF735F9085B}" type="presOf" srcId="{BA50DA82-B404-439A-B288-B91EBCE8B0E7}" destId="{D495CDC0-E548-4256-BC58-D97F7521F65A}" srcOrd="0" destOrd="0" presId="urn:microsoft.com/office/officeart/2005/8/layout/hierarchy2"/>
+    <dgm:cxn modelId="{A51C9C29-12AA-45BD-A8B2-84BDBAEF50FE}" srcId="{FD4DDD28-3EE1-488E-AB33-110339E6AB13}" destId="{BA10FED7-80A3-4884-AA4C-F0C07184219A}" srcOrd="0" destOrd="0" parTransId="{1922DBBF-A48A-477A-806A-5A048F427831}" sibTransId="{B4BF7DAA-FB1E-478A-959D-5D51B3928A43}"/>
+    <dgm:cxn modelId="{520DDBA8-5476-4501-904A-F87CD612DB90}" type="presOf" srcId="{25B0719F-BE68-4CAA-B8CC-CDA17008AD42}" destId="{7D190A59-3355-45CF-ADDB-D1362D06D9B6}" srcOrd="0" destOrd="0" presId="urn:microsoft.com/office/officeart/2005/8/layout/hierarchy2"/>
+    <dgm:cxn modelId="{FB503605-44D7-4E1C-B203-F8E2DC657924}" type="presOf" srcId="{595F29A4-90E3-4797-8FEA-0990BED74A3D}" destId="{9C1BAD27-D9D8-44A0-944C-CA7057CD85F3}" srcOrd="0" destOrd="0" presId="urn:microsoft.com/office/officeart/2005/8/layout/hierarchy2"/>
+    <dgm:cxn modelId="{71DEC436-9E94-403D-9816-15FD9C41053A}" type="presOf" srcId="{E5F62516-01CF-4DB6-BB1F-38B43E84A721}" destId="{E963AE43-DAD6-461A-9C51-129A289A18FC}" srcOrd="0" destOrd="0" presId="urn:microsoft.com/office/officeart/2005/8/layout/hierarchy2"/>
+    <dgm:cxn modelId="{4B4B7A5F-BA74-4F0E-BCD0-C2ECF168CB7B}" srcId="{FD4DDD28-3EE1-488E-AB33-110339E6AB13}" destId="{F046209E-06D6-454B-8D62-48E93088ED96}" srcOrd="2" destOrd="0" parTransId="{CD830466-856F-44D5-AA98-9CB0C8E43A79}" sibTransId="{85BF5578-6749-47B4-BD3D-4BF490348870}"/>
+    <dgm:cxn modelId="{B8C946E7-EE87-442C-B071-1285E5B97635}" type="presOf" srcId="{1922DBBF-A48A-477A-806A-5A048F427831}" destId="{E8E82A3A-F6F3-4426-80C7-C789EC97D8F5}" srcOrd="1" destOrd="0" presId="urn:microsoft.com/office/officeart/2005/8/layout/hierarchy2"/>
+    <dgm:cxn modelId="{3CA6A379-5F6A-4655-8FB9-2DC19C7BB0F6}" type="presOf" srcId="{C76C2BE5-76F4-4171-B3D6-F40EC441C1EF}" destId="{46ED25BE-9861-47E3-88A2-1EFA2269C044}" srcOrd="0" destOrd="0" presId="urn:microsoft.com/office/officeart/2005/8/layout/hierarchy2"/>
+    <dgm:cxn modelId="{008E7AA3-6E38-408F-B5F9-5822B66EFA6D}" type="presOf" srcId="{BDF486DE-93F8-4735-BC7E-B6B52DC80DCF}" destId="{5C460507-BDDF-4CB1-B50E-ADAF4AE7A132}" srcOrd="1" destOrd="0" presId="urn:microsoft.com/office/officeart/2005/8/layout/hierarchy2"/>
+    <dgm:cxn modelId="{E83ABBCC-F9F0-49BF-97E9-08DD13DB92DD}" type="presOf" srcId="{CD830466-856F-44D5-AA98-9CB0C8E43A79}" destId="{B4AB0021-7176-44FF-8DC4-E8C74BB4AC26}" srcOrd="0" destOrd="0" presId="urn:microsoft.com/office/officeart/2005/8/layout/hierarchy2"/>
+    <dgm:cxn modelId="{42F1CB68-FCB9-4217-93C9-C09FA127EF06}" type="presOf" srcId="{FE82EBBE-8A94-47F9-B245-025527CA1FD1}" destId="{B65140AB-4A41-4A45-BDFF-490F399D134A}" srcOrd="1" destOrd="0" presId="urn:microsoft.com/office/officeart/2005/8/layout/hierarchy2"/>
+    <dgm:cxn modelId="{D53F0E9D-3781-4F8C-A332-1DF3D3D7BE58}" srcId="{FD4DDD28-3EE1-488E-AB33-110339E6AB13}" destId="{4C1EEB3A-8BE6-489F-B2B3-1DB7665FB734}" srcOrd="1" destOrd="0" parTransId="{C76C2BE5-76F4-4171-B3D6-F40EC441C1EF}" sibTransId="{B9875009-FDDA-4CE4-84C1-10879193FFBC}"/>
     <dgm:cxn modelId="{388B4B00-DA32-44C2-B8B5-D6C2481DF932}" type="presOf" srcId="{B9529705-11E0-4724-98FC-8848B37735E1}" destId="{10DB8C50-61C1-4E59-B26B-326F5F4B2EEE}" srcOrd="0" destOrd="0" presId="urn:microsoft.com/office/officeart/2005/8/layout/hierarchy2"/>
-    <dgm:cxn modelId="{CA860503-9332-4BAA-83B0-B3FCE29C0716}" srcId="{F4DC4CCD-2BAE-4AAD-8CDC-B833350D7319}" destId="{E5F62516-01CF-4DB6-BB1F-38B43E84A721}" srcOrd="0" destOrd="0" parTransId="{504531A7-E82A-4C0D-8A8E-33DC5497767E}" sibTransId="{3B3D1144-E212-4641-80A2-3E3E925C0A87}"/>
-    <dgm:cxn modelId="{FB503605-44D7-4E1C-B203-F8E2DC657924}" type="presOf" srcId="{595F29A4-90E3-4797-8FEA-0990BED74A3D}" destId="{9C1BAD27-D9D8-44A0-944C-CA7057CD85F3}" srcOrd="0" destOrd="0" presId="urn:microsoft.com/office/officeart/2005/8/layout/hierarchy2"/>
-    <dgm:cxn modelId="{9793211E-073A-47BD-83F6-38D77CD6017E}" type="presOf" srcId="{EDC83CEA-FBFB-4D9C-80B6-2C8A80030D9C}" destId="{A5C4A1C8-73A8-4B72-941D-4F492697B460}" srcOrd="0" destOrd="0" presId="urn:microsoft.com/office/officeart/2005/8/layout/hierarchy2"/>
-    <dgm:cxn modelId="{A51C9C29-12AA-45BD-A8B2-84BDBAEF50FE}" srcId="{FD4DDD28-3EE1-488E-AB33-110339E6AB13}" destId="{BA10FED7-80A3-4884-AA4C-F0C07184219A}" srcOrd="0" destOrd="0" parTransId="{1922DBBF-A48A-477A-806A-5A048F427831}" sibTransId="{B4BF7DAA-FB1E-478A-959D-5D51B3928A43}"/>
-    <dgm:cxn modelId="{7C880731-72DC-4D73-AD15-A5D57751B25D}" type="presOf" srcId="{B4BA39CC-192E-4E8E-AB6E-D2941141E2FC}" destId="{B89F4388-14B0-487E-80BC-933EB0B320B3}" srcOrd="1" destOrd="0" presId="urn:microsoft.com/office/officeart/2005/8/layout/hierarchy2"/>
-    <dgm:cxn modelId="{71DEC436-9E94-403D-9816-15FD9C41053A}" type="presOf" srcId="{E5F62516-01CF-4DB6-BB1F-38B43E84A721}" destId="{E963AE43-DAD6-461A-9C51-129A289A18FC}" srcOrd="0" destOrd="0" presId="urn:microsoft.com/office/officeart/2005/8/layout/hierarchy2"/>
+    <dgm:cxn modelId="{FF56B654-844A-4017-9236-9C5792B84928}" srcId="{BA50DA82-B404-439A-B288-B91EBCE8B0E7}" destId="{D8C5685F-0394-4DD6-8AA5-F5DE57DC79EF}" srcOrd="2" destOrd="0" parTransId="{0EB0EE07-9DF6-4DE4-80C6-9A0E8B22E926}" sibTransId="{76149E48-5B7C-4B45-B00F-DDC78EB34123}"/>
+    <dgm:cxn modelId="{A79AD1C5-B0D1-47C2-B193-73A3334F315F}" type="presOf" srcId="{4C1EEB3A-8BE6-489F-B2B3-1DB7665FB734}" destId="{92442DD9-9EAE-40B9-8DE3-23EF107A6AE2}" srcOrd="0" destOrd="0" presId="urn:microsoft.com/office/officeart/2005/8/layout/hierarchy2"/>
+    <dgm:cxn modelId="{F9790554-1133-4466-821B-54BA7A34B65C}" srcId="{BA50DA82-B404-439A-B288-B91EBCE8B0E7}" destId="{9DF0F758-A842-4A79-A666-23D7239D504D}" srcOrd="0" destOrd="0" parTransId="{595F29A4-90E3-4797-8FEA-0990BED74A3D}" sibTransId="{3F5AC713-4410-4366-BA0D-BED5B93E755D}"/>
     <dgm:cxn modelId="{BD66EB36-95B3-435F-9A88-E59669EA9526}" type="presOf" srcId="{FE82EBBE-8A94-47F9-B245-025527CA1FD1}" destId="{0363E5F5-4FE5-4F3A-81C8-7E5B21FFCF2B}" srcOrd="0" destOrd="0" presId="urn:microsoft.com/office/officeart/2005/8/layout/hierarchy2"/>
-    <dgm:cxn modelId="{959B393A-C796-44AD-8F0F-4511BA687339}" srcId="{E5F62516-01CF-4DB6-BB1F-38B43E84A721}" destId="{FD4DDD28-3EE1-488E-AB33-110339E6AB13}" srcOrd="1" destOrd="0" parTransId="{F9FA4EB8-20E1-4B09-B80C-7F714C35D295}" sibTransId="{13BCB3B5-38CF-4E1A-96AB-27CFE077F7B7}"/>
-    <dgm:cxn modelId="{ED6BE73D-3AA3-4555-864D-66D06C436C3B}" type="presOf" srcId="{F046209E-06D6-454B-8D62-48E93088ED96}" destId="{DBCB3A37-9224-4E4D-8199-B19481409D35}" srcOrd="0" destOrd="0" presId="urn:microsoft.com/office/officeart/2005/8/layout/hierarchy2"/>
-    <dgm:cxn modelId="{E9F7055B-D6C5-4B09-9AA1-3EA027B06F05}" type="presOf" srcId="{BA10FED7-80A3-4884-AA4C-F0C07184219A}" destId="{77C72B25-6C25-4BB6-8C9B-7A82A640589E}" srcOrd="0" destOrd="0" presId="urn:microsoft.com/office/officeart/2005/8/layout/hierarchy2"/>
-    <dgm:cxn modelId="{459C475B-C51C-474B-8C99-8A0F5BAAFD41}" srcId="{E5F62516-01CF-4DB6-BB1F-38B43E84A721}" destId="{8A3244F2-D520-4B30-A346-16859A951237}" srcOrd="2" destOrd="0" parTransId="{BDF486DE-93F8-4735-BC7E-B6B52DC80DCF}" sibTransId="{E742A4D5-3D00-4EF4-A1DA-A5D47BFC90E6}"/>
-    <dgm:cxn modelId="{27FA305F-A62A-40F8-8C1D-B275FB4F8ED1}" type="presOf" srcId="{0EB0EE07-9DF6-4DE4-80C6-9A0E8B22E926}" destId="{97742C02-25A4-4C79-B8E9-9B25141DDAF6}" srcOrd="1" destOrd="0" presId="urn:microsoft.com/office/officeart/2005/8/layout/hierarchy2"/>
-    <dgm:cxn modelId="{4B4B7A5F-BA74-4F0E-BCD0-C2ECF168CB7B}" srcId="{FD4DDD28-3EE1-488E-AB33-110339E6AB13}" destId="{F046209E-06D6-454B-8D62-48E93088ED96}" srcOrd="2" destOrd="0" parTransId="{CD830466-856F-44D5-AA98-9CB0C8E43A79}" sibTransId="{85BF5578-6749-47B4-BD3D-4BF490348870}"/>
-    <dgm:cxn modelId="{8E0BEF62-B080-4A69-8915-95E0B71791DD}" type="presOf" srcId="{9DF0F758-A842-4A79-A666-23D7239D504D}" destId="{BAB839F8-872A-40F9-AD4D-C200A7ECB40E}" srcOrd="0" destOrd="0" presId="urn:microsoft.com/office/officeart/2005/8/layout/hierarchy2"/>
-    <dgm:cxn modelId="{B403E043-9497-4912-8A9D-1CF735F9085B}" type="presOf" srcId="{BA50DA82-B404-439A-B288-B91EBCE8B0E7}" destId="{D495CDC0-E548-4256-BC58-D97F7521F65A}" srcOrd="0" destOrd="0" presId="urn:microsoft.com/office/officeart/2005/8/layout/hierarchy2"/>
-    <dgm:cxn modelId="{EC3C7445-CFE0-4669-B8E8-4E36DB68CF36}" type="presOf" srcId="{77ED947D-8657-44FC-BFC5-979534480EA6}" destId="{6FE38A1C-1241-4659-8A64-40D72C354CC7}" srcOrd="0" destOrd="0" presId="urn:microsoft.com/office/officeart/2005/8/layout/hierarchy2"/>
-    <dgm:cxn modelId="{3CF5FA66-5C64-40BC-915E-D9D1D1A219B5}" type="presOf" srcId="{F4DC4CCD-2BAE-4AAD-8CDC-B833350D7319}" destId="{572446F1-238C-4383-854F-0CA6BA9809ED}" srcOrd="0" destOrd="0" presId="urn:microsoft.com/office/officeart/2005/8/layout/hierarchy2"/>
-    <dgm:cxn modelId="{42F1CB68-FCB9-4217-93C9-C09FA127EF06}" type="presOf" srcId="{FE82EBBE-8A94-47F9-B245-025527CA1FD1}" destId="{B65140AB-4A41-4A45-BDFF-490F399D134A}" srcOrd="1" destOrd="0" presId="urn:microsoft.com/office/officeart/2005/8/layout/hierarchy2"/>
-    <dgm:cxn modelId="{29CA0D6A-1E02-4E49-A622-A1E255505E4C}" type="presOf" srcId="{EDC83CEA-FBFB-4D9C-80B6-2C8A80030D9C}" destId="{5566861F-BD9B-4EA0-A910-96DE88102F87}" srcOrd="1" destOrd="0" presId="urn:microsoft.com/office/officeart/2005/8/layout/hierarchy2"/>
-    <dgm:cxn modelId="{3B88D76E-51EE-4725-B187-F4F0AC28EA17}" type="presOf" srcId="{F9FA4EB8-20E1-4B09-B80C-7F714C35D295}" destId="{796873E9-BDEA-447A-B078-690B2789FBC0}" srcOrd="1" destOrd="0" presId="urn:microsoft.com/office/officeart/2005/8/layout/hierarchy2"/>
-    <dgm:cxn modelId="{B2991170-3775-43CA-9D94-F588639F1C26}" type="presOf" srcId="{C76C2BE5-76F4-4171-B3D6-F40EC441C1EF}" destId="{0F961E2D-4E35-45D5-BA86-2A7FCFC9549D}" srcOrd="1" destOrd="0" presId="urn:microsoft.com/office/officeart/2005/8/layout/hierarchy2"/>
-    <dgm:cxn modelId="{F9790554-1133-4466-821B-54BA7A34B65C}" srcId="{BA50DA82-B404-439A-B288-B91EBCE8B0E7}" destId="{9DF0F758-A842-4A79-A666-23D7239D504D}" srcOrd="0" destOrd="0" parTransId="{595F29A4-90E3-4797-8FEA-0990BED74A3D}" sibTransId="{3F5AC713-4410-4366-BA0D-BED5B93E755D}"/>
-    <dgm:cxn modelId="{41B69B54-6622-49EB-A258-0084680C5BBB}" type="presOf" srcId="{5E71BE89-5F54-4E49-89FC-36D15D5E9E6E}" destId="{1C516536-5A54-42EA-B726-499F67871F6C}" srcOrd="0" destOrd="0" presId="urn:microsoft.com/office/officeart/2005/8/layout/hierarchy2"/>
-    <dgm:cxn modelId="{FF56B654-844A-4017-9236-9C5792B84928}" srcId="{BA50DA82-B404-439A-B288-B91EBCE8B0E7}" destId="{D8C5685F-0394-4DD6-8AA5-F5DE57DC79EF}" srcOrd="2" destOrd="0" parTransId="{0EB0EE07-9DF6-4DE4-80C6-9A0E8B22E926}" sibTransId="{76149E48-5B7C-4B45-B00F-DDC78EB34123}"/>
-    <dgm:cxn modelId="{AB223D56-2336-4123-AD90-0D2E3D35A13D}" type="presOf" srcId="{D8C5685F-0394-4DD6-8AA5-F5DE57DC79EF}" destId="{FC5D5E09-FE9F-49AC-86D8-BDADBF0E1645}" srcOrd="0" destOrd="0" presId="urn:microsoft.com/office/officeart/2005/8/layout/hierarchy2"/>
-    <dgm:cxn modelId="{CBF44456-BC41-4A0C-9CFC-BC798C7AF8AF}" type="presOf" srcId="{8A3244F2-D520-4B30-A346-16859A951237}" destId="{84C137FD-05F2-4D5C-BBB3-945F263BDFD2}" srcOrd="0" destOrd="0" presId="urn:microsoft.com/office/officeart/2005/8/layout/hierarchy2"/>
-    <dgm:cxn modelId="{846A5A78-B083-48F2-97DC-70929DE0A25F}" type="presOf" srcId="{0EB0EE07-9DF6-4DE4-80C6-9A0E8B22E926}" destId="{037A22CC-25B2-495F-831B-B1CE209BF0F7}" srcOrd="0" destOrd="0" presId="urn:microsoft.com/office/officeart/2005/8/layout/hierarchy2"/>
-    <dgm:cxn modelId="{3CA6A379-5F6A-4655-8FB9-2DC19C7BB0F6}" type="presOf" srcId="{C76C2BE5-76F4-4171-B3D6-F40EC441C1EF}" destId="{46ED25BE-9861-47E3-88A2-1EFA2269C044}" srcOrd="0" destOrd="0" presId="urn:microsoft.com/office/officeart/2005/8/layout/hierarchy2"/>
-    <dgm:cxn modelId="{06035885-7165-4657-8DAD-01004BA6B499}" type="presOf" srcId="{FD4DDD28-3EE1-488E-AB33-110339E6AB13}" destId="{793486AC-7C18-4D89-BC98-03959D4A72F9}" srcOrd="0" destOrd="0" presId="urn:microsoft.com/office/officeart/2005/8/layout/hierarchy2"/>
-    <dgm:cxn modelId="{54EB0F8F-474C-4C8E-9BF5-85011838D741}" type="presOf" srcId="{BDF486DE-93F8-4735-BC7E-B6B52DC80DCF}" destId="{3EA4D021-7002-47B3-980B-92667A9A2EDB}" srcOrd="0" destOrd="0" presId="urn:microsoft.com/office/officeart/2005/8/layout/hierarchy2"/>
-    <dgm:cxn modelId="{56E74290-1EE4-43A6-B6F3-35E2007D2F5A}" srcId="{8A3244F2-D520-4B30-A346-16859A951237}" destId="{25B0719F-BE68-4CAA-B8CC-CDA17008AD42}" srcOrd="1" destOrd="0" parTransId="{B4BA39CC-192E-4E8E-AB6E-D2941141E2FC}" sibTransId="{09C23214-0DFB-47C9-83F3-70003973EE73}"/>
-    <dgm:cxn modelId="{D53F0E9D-3781-4F8C-A332-1DF3D3D7BE58}" srcId="{FD4DDD28-3EE1-488E-AB33-110339E6AB13}" destId="{4C1EEB3A-8BE6-489F-B2B3-1DB7665FB734}" srcOrd="1" destOrd="0" parTransId="{C76C2BE5-76F4-4171-B3D6-F40EC441C1EF}" sibTransId="{B9875009-FDDA-4CE4-84C1-10879193FFBC}"/>
-    <dgm:cxn modelId="{8E2F06A3-5C2F-437A-B9CA-C409141F7B09}" srcId="{8A3244F2-D520-4B30-A346-16859A951237}" destId="{77ED947D-8657-44FC-BFC5-979534480EA6}" srcOrd="2" destOrd="0" parTransId="{DFE837E1-6F48-4149-9E3A-FFAF7AFA6C48}" sibTransId="{E1587F87-8FC2-4B27-A970-BE117B5E10EA}"/>
-    <dgm:cxn modelId="{008E7AA3-6E38-408F-B5F9-5822B66EFA6D}" type="presOf" srcId="{BDF486DE-93F8-4735-BC7E-B6B52DC80DCF}" destId="{5C460507-BDDF-4CB1-B50E-ADAF4AE7A132}" srcOrd="1" destOrd="0" presId="urn:microsoft.com/office/officeart/2005/8/layout/hierarchy2"/>
-    <dgm:cxn modelId="{91383CA6-4799-4DF7-8E42-41C47330977C}" type="presOf" srcId="{1922DBBF-A48A-477A-806A-5A048F427831}" destId="{9C3ACF00-CF92-48F5-A75B-800978567C18}" srcOrd="0" destOrd="0" presId="urn:microsoft.com/office/officeart/2005/8/layout/hierarchy2"/>
-    <dgm:cxn modelId="{520DDBA8-5476-4501-904A-F87CD612DB90}" type="presOf" srcId="{25B0719F-BE68-4CAA-B8CC-CDA17008AD42}" destId="{7D190A59-3355-45CF-ADDB-D1362D06D9B6}" srcOrd="0" destOrd="0" presId="urn:microsoft.com/office/officeart/2005/8/layout/hierarchy2"/>
-    <dgm:cxn modelId="{3EE034A9-5679-47D4-8AE6-3CEF26D56CB0}" type="presOf" srcId="{DFE837E1-6F48-4149-9E3A-FFAF7AFA6C48}" destId="{00383131-60DA-4BF4-A791-01E7781DEBB3}" srcOrd="0" destOrd="0" presId="urn:microsoft.com/office/officeart/2005/8/layout/hierarchy2"/>
-    <dgm:cxn modelId="{EFA918AC-3D5B-4E23-9E16-7019419D4272}" type="presOf" srcId="{B4BA39CC-192E-4E8E-AB6E-D2941141E2FC}" destId="{0DCA7411-7FCA-4E1A-B2CA-57DF6BE1C168}" srcOrd="0" destOrd="0" presId="urn:microsoft.com/office/officeart/2005/8/layout/hierarchy2"/>
-    <dgm:cxn modelId="{A79AD1C5-B0D1-47C2-B193-73A3334F315F}" type="presOf" srcId="{4C1EEB3A-8BE6-489F-B2B3-1DB7665FB734}" destId="{92442DD9-9EAE-40B9-8DE3-23EF107A6AE2}" srcOrd="0" destOrd="0" presId="urn:microsoft.com/office/officeart/2005/8/layout/hierarchy2"/>
-    <dgm:cxn modelId="{D6173FC6-CB98-4979-809D-40A9C4073C26}" type="presOf" srcId="{DFE837E1-6F48-4149-9E3A-FFAF7AFA6C48}" destId="{C1BABF11-DF0C-4777-9570-8F1ADA992155}" srcOrd="1" destOrd="0" presId="urn:microsoft.com/office/officeart/2005/8/layout/hierarchy2"/>
-    <dgm:cxn modelId="{E83ABBCC-F9F0-49BF-97E9-08DD13DB92DD}" type="presOf" srcId="{CD830466-856F-44D5-AA98-9CB0C8E43A79}" destId="{B4AB0021-7176-44FF-8DC4-E8C74BB4AC26}" srcOrd="0" destOrd="0" presId="urn:microsoft.com/office/officeart/2005/8/layout/hierarchy2"/>
-    <dgm:cxn modelId="{9EE1BDCE-183F-4D29-B9DB-F3FC11905FD1}" type="presOf" srcId="{407D512A-517F-44AE-93FD-03CBA9D97CAE}" destId="{CA5BEC94-E815-44AD-937E-140831C6A631}" srcOrd="0" destOrd="0" presId="urn:microsoft.com/office/officeart/2005/8/layout/hierarchy2"/>
-    <dgm:cxn modelId="{B9D007D5-B4B0-43C5-A29B-E11B078BA19B}" srcId="{8A3244F2-D520-4B30-A346-16859A951237}" destId="{B9529705-11E0-4724-98FC-8848B37735E1}" srcOrd="0" destOrd="0" parTransId="{5E71BE89-5F54-4E49-89FC-36D15D5E9E6E}" sibTransId="{A3758750-CFF4-42AB-B092-36D24E7088D9}"/>
-    <dgm:cxn modelId="{59C06ADA-1EB6-4EC9-9A62-279B4A7A2D41}" srcId="{BA50DA82-B404-439A-B288-B91EBCE8B0E7}" destId="{407D512A-517F-44AE-93FD-03CBA9D97CAE}" srcOrd="1" destOrd="0" parTransId="{EDC83CEA-FBFB-4D9C-80B6-2C8A80030D9C}" sibTransId="{E1D0DA4F-C1DF-4830-91D7-96289C2EBEE1}"/>
-    <dgm:cxn modelId="{91687EE0-964E-4E2D-A722-B9CEFAC29DF9}" type="presOf" srcId="{595F29A4-90E3-4797-8FEA-0990BED74A3D}" destId="{57867033-C2AC-4163-A500-F68C008210B3}" srcOrd="1" destOrd="0" presId="urn:microsoft.com/office/officeart/2005/8/layout/hierarchy2"/>
-    <dgm:cxn modelId="{6E170CE2-C41F-447C-A36C-D9BBDCBBE065}" type="presOf" srcId="{5E71BE89-5F54-4E49-89FC-36D15D5E9E6E}" destId="{B33C994A-A054-470B-AA76-00B82CEB9A6E}" srcOrd="1" destOrd="0" presId="urn:microsoft.com/office/officeart/2005/8/layout/hierarchy2"/>
-    <dgm:cxn modelId="{8AC334E7-6C7D-46D9-A88A-1273650DE828}" type="presOf" srcId="{CD830466-856F-44D5-AA98-9CB0C8E43A79}" destId="{8EE2C59D-E8C1-48DC-A8CB-0B26B71AD17C}" srcOrd="1" destOrd="0" presId="urn:microsoft.com/office/officeart/2005/8/layout/hierarchy2"/>
-    <dgm:cxn modelId="{B8C946E7-EE87-442C-B071-1285E5B97635}" type="presOf" srcId="{1922DBBF-A48A-477A-806A-5A048F427831}" destId="{E8E82A3A-F6F3-4426-80C7-C789EC97D8F5}" srcOrd="1" destOrd="0" presId="urn:microsoft.com/office/officeart/2005/8/layout/hierarchy2"/>
-    <dgm:cxn modelId="{FF457CF0-66D9-4A74-9A5B-20E555B9DC8A}" srcId="{E5F62516-01CF-4DB6-BB1F-38B43E84A721}" destId="{BA50DA82-B404-439A-B288-B91EBCE8B0E7}" srcOrd="0" destOrd="0" parTransId="{FE82EBBE-8A94-47F9-B245-025527CA1FD1}" sibTransId="{0A8C4C47-547B-440F-AAD0-38ADE9677B0C}"/>
-    <dgm:cxn modelId="{5DCB1BF1-DA80-40C2-907E-C9D3D11FA193}" type="presOf" srcId="{F9FA4EB8-20E1-4B09-B80C-7F714C35D295}" destId="{4121AFB2-2918-4F03-91B1-79AACF12CF03}" srcOrd="0" destOrd="0" presId="urn:microsoft.com/office/officeart/2005/8/layout/hierarchy2"/>
     <dgm:cxn modelId="{2D894304-9099-47E8-8BE7-AE402162B73D}" type="presParOf" srcId="{572446F1-238C-4383-854F-0CA6BA9809ED}" destId="{9F0CE2D9-02E5-4254-B4B2-A2CD77FB13E6}" srcOrd="0" destOrd="0" presId="urn:microsoft.com/office/officeart/2005/8/layout/hierarchy2"/>
     <dgm:cxn modelId="{B91F8636-7694-4BE6-83AB-FC856CC1F90B}" type="presParOf" srcId="{9F0CE2D9-02E5-4254-B4B2-A2CD77FB13E6}" destId="{E963AE43-DAD6-461A-9C51-129A289A18FC}" srcOrd="0" destOrd="0" presId="urn:microsoft.com/office/officeart/2005/8/layout/hierarchy2"/>
     <dgm:cxn modelId="{ACB6B666-CF8E-48AC-8428-4197B5CAB959}" type="presParOf" srcId="{9F0CE2D9-02E5-4254-B4B2-A2CD77FB13E6}" destId="{056B8400-5FB6-4112-9BA0-DD8A2372803B}" srcOrd="1" destOrd="0" presId="urn:microsoft.com/office/officeart/2005/8/layout/hierarchy2"/>
@@ -2038,7 +2342,7 @@
         </a:bodyPr>
         <a:lstStyle/>
         <a:p>
-          <a:pPr marL="0" lvl="0" indent="0" algn="ctr" defTabSz="933450" latinLnBrk="1">
+          <a:pPr lvl="0" algn="ctr" defTabSz="933450" latinLnBrk="1">
             <a:lnSpc>
               <a:spcPct val="90000"/>
             </a:lnSpc>
@@ -2048,7 +2352,6 @@
             <a:spcAft>
               <a:spcPct val="35000"/>
             </a:spcAft>
-            <a:buNone/>
           </a:pPr>
           <a:r>
             <a:rPr lang="ko-KR" altLang="en-US" sz="2100" kern="1200" dirty="0"/>
@@ -2122,7 +2425,7 @@
         </a:bodyPr>
         <a:lstStyle/>
         <a:p>
-          <a:pPr marL="0" lvl="0" indent="0" algn="ctr" defTabSz="311150" latinLnBrk="1">
+          <a:pPr lvl="0" algn="ctr" defTabSz="311150" latinLnBrk="1">
             <a:lnSpc>
               <a:spcPct val="90000"/>
             </a:lnSpc>
@@ -2132,7 +2435,6 @@
             <a:spcAft>
               <a:spcPct val="35000"/>
             </a:spcAft>
-            <a:buNone/>
           </a:pPr>
           <a:endParaRPr lang="ko-KR" altLang="en-US" sz="700" kern="1200"/>
         </a:p>
@@ -2200,7 +2502,7 @@
         </a:bodyPr>
         <a:lstStyle/>
         <a:p>
-          <a:pPr marL="0" lvl="0" indent="0" algn="ctr" defTabSz="933450" latinLnBrk="1">
+          <a:pPr lvl="0" algn="ctr" defTabSz="933450" latinLnBrk="1">
             <a:lnSpc>
               <a:spcPct val="90000"/>
             </a:lnSpc>
@@ -2210,7 +2512,6 @@
             <a:spcAft>
               <a:spcPct val="35000"/>
             </a:spcAft>
-            <a:buNone/>
           </a:pPr>
           <a:r>
             <a:rPr lang="ko-KR" altLang="en-US" sz="2100" kern="1200" dirty="0"/>
@@ -2285,7 +2586,7 @@
         </a:bodyPr>
         <a:lstStyle/>
         <a:p>
-          <a:pPr marL="0" lvl="0" indent="0" algn="ctr" defTabSz="222250" latinLnBrk="1">
+          <a:pPr lvl="0" algn="ctr" defTabSz="222250" latinLnBrk="1">
             <a:lnSpc>
               <a:spcPct val="90000"/>
             </a:lnSpc>
@@ -2295,7 +2596,6 @@
             <a:spcAft>
               <a:spcPct val="35000"/>
             </a:spcAft>
-            <a:buNone/>
           </a:pPr>
           <a:endParaRPr lang="ko-KR" altLang="en-US" sz="500" kern="1200"/>
         </a:p>
@@ -2363,7 +2663,7 @@
         </a:bodyPr>
         <a:lstStyle/>
         <a:p>
-          <a:pPr marL="0" lvl="0" indent="0" algn="ctr" defTabSz="933450" latinLnBrk="1">
+          <a:pPr lvl="0" algn="ctr" defTabSz="933450" latinLnBrk="1">
             <a:lnSpc>
               <a:spcPct val="90000"/>
             </a:lnSpc>
@@ -2373,7 +2673,6 @@
             <a:spcAft>
               <a:spcPct val="35000"/>
             </a:spcAft>
-            <a:buNone/>
           </a:pPr>
           <a:r>
             <a:rPr lang="ko-KR" altLang="en-US" sz="2100" kern="1200" dirty="0"/>
@@ -2448,7 +2747,7 @@
         </a:bodyPr>
         <a:lstStyle/>
         <a:p>
-          <a:pPr marL="0" lvl="0" indent="0" algn="ctr" defTabSz="222250" latinLnBrk="1">
+          <a:pPr lvl="0" algn="ctr" defTabSz="222250" latinLnBrk="1">
             <a:lnSpc>
               <a:spcPct val="90000"/>
             </a:lnSpc>
@@ -2458,7 +2757,6 @@
             <a:spcAft>
               <a:spcPct val="35000"/>
             </a:spcAft>
-            <a:buNone/>
           </a:pPr>
           <a:endParaRPr lang="ko-KR" altLang="en-US" sz="500" kern="1200"/>
         </a:p>
@@ -2526,7 +2824,7 @@
         </a:bodyPr>
         <a:lstStyle/>
         <a:p>
-          <a:pPr marL="0" lvl="0" indent="0" algn="ctr" defTabSz="933450" latinLnBrk="1">
+          <a:pPr lvl="0" algn="ctr" defTabSz="933450" latinLnBrk="1">
             <a:lnSpc>
               <a:spcPct val="90000"/>
             </a:lnSpc>
@@ -2536,7 +2834,6 @@
             <a:spcAft>
               <a:spcPct val="35000"/>
             </a:spcAft>
-            <a:buNone/>
           </a:pPr>
           <a:r>
             <a:rPr lang="ko-KR" altLang="en-US" sz="2100" kern="1200" dirty="0"/>
@@ -2611,7 +2908,7 @@
         </a:bodyPr>
         <a:lstStyle/>
         <a:p>
-          <a:pPr marL="0" lvl="0" indent="0" algn="ctr" defTabSz="222250" latinLnBrk="1">
+          <a:pPr lvl="0" algn="ctr" defTabSz="222250" latinLnBrk="1">
             <a:lnSpc>
               <a:spcPct val="90000"/>
             </a:lnSpc>
@@ -2621,7 +2918,6 @@
             <a:spcAft>
               <a:spcPct val="35000"/>
             </a:spcAft>
-            <a:buNone/>
           </a:pPr>
           <a:endParaRPr lang="ko-KR" altLang="en-US" sz="500" kern="1200"/>
         </a:p>
@@ -2689,7 +2985,7 @@
         </a:bodyPr>
         <a:lstStyle/>
         <a:p>
-          <a:pPr marL="0" lvl="0" indent="0" algn="ctr" defTabSz="933450" latinLnBrk="1">
+          <a:pPr lvl="0" algn="ctr" defTabSz="933450" latinLnBrk="1">
             <a:lnSpc>
               <a:spcPct val="90000"/>
             </a:lnSpc>
@@ -2699,7 +2995,6 @@
             <a:spcAft>
               <a:spcPct val="35000"/>
             </a:spcAft>
-            <a:buNone/>
           </a:pPr>
           <a:r>
             <a:rPr lang="ko-KR" altLang="en-US" sz="2100" kern="1200" dirty="0"/>
@@ -2774,7 +3069,7 @@
         </a:bodyPr>
         <a:lstStyle/>
         <a:p>
-          <a:pPr marL="0" lvl="0" indent="0" algn="ctr" defTabSz="222250" latinLnBrk="1">
+          <a:pPr lvl="0" algn="ctr" defTabSz="222250" latinLnBrk="1">
             <a:lnSpc>
               <a:spcPct val="90000"/>
             </a:lnSpc>
@@ -2784,7 +3079,6 @@
             <a:spcAft>
               <a:spcPct val="35000"/>
             </a:spcAft>
-            <a:buNone/>
           </a:pPr>
           <a:endParaRPr lang="ko-KR" altLang="en-US" sz="500" kern="1200"/>
         </a:p>
@@ -2852,7 +3146,7 @@
         </a:bodyPr>
         <a:lstStyle/>
         <a:p>
-          <a:pPr marL="0" lvl="0" indent="0" algn="ctr" defTabSz="933450" latinLnBrk="1">
+          <a:pPr lvl="0" algn="ctr" defTabSz="933450" latinLnBrk="1">
             <a:lnSpc>
               <a:spcPct val="90000"/>
             </a:lnSpc>
@@ -2862,7 +3156,6 @@
             <a:spcAft>
               <a:spcPct val="35000"/>
             </a:spcAft>
-            <a:buNone/>
           </a:pPr>
           <a:r>
             <a:rPr lang="ko-KR" altLang="en-US" sz="2100" kern="1200" dirty="0" err="1"/>
@@ -2937,7 +3230,7 @@
         </a:bodyPr>
         <a:lstStyle/>
         <a:p>
-          <a:pPr marL="0" lvl="0" indent="0" algn="ctr" defTabSz="222250" latinLnBrk="1">
+          <a:pPr lvl="0" algn="ctr" defTabSz="222250" latinLnBrk="1">
             <a:lnSpc>
               <a:spcPct val="90000"/>
             </a:lnSpc>
@@ -2947,7 +3240,6 @@
             <a:spcAft>
               <a:spcPct val="35000"/>
             </a:spcAft>
-            <a:buNone/>
           </a:pPr>
           <a:endParaRPr lang="ko-KR" altLang="en-US" sz="500" kern="1200"/>
         </a:p>
@@ -3015,7 +3307,7 @@
         </a:bodyPr>
         <a:lstStyle/>
         <a:p>
-          <a:pPr marL="0" lvl="0" indent="0" algn="ctr" defTabSz="933450" latinLnBrk="1">
+          <a:pPr lvl="0" algn="ctr" defTabSz="933450" latinLnBrk="1">
             <a:lnSpc>
               <a:spcPct val="90000"/>
             </a:lnSpc>
@@ -3025,7 +3317,6 @@
             <a:spcAft>
               <a:spcPct val="35000"/>
             </a:spcAft>
-            <a:buNone/>
           </a:pPr>
           <a:r>
             <a:rPr lang="ko-KR" altLang="en-US" sz="2100" kern="1200" dirty="0"/>
@@ -3099,7 +3390,7 @@
         </a:bodyPr>
         <a:lstStyle/>
         <a:p>
-          <a:pPr marL="0" lvl="0" indent="0" algn="ctr" defTabSz="222250" latinLnBrk="1">
+          <a:pPr lvl="0" algn="ctr" defTabSz="222250" latinLnBrk="1">
             <a:lnSpc>
               <a:spcPct val="90000"/>
             </a:lnSpc>
@@ -3109,7 +3400,6 @@
             <a:spcAft>
               <a:spcPct val="35000"/>
             </a:spcAft>
-            <a:buNone/>
           </a:pPr>
           <a:endParaRPr lang="ko-KR" altLang="en-US" sz="500" kern="1200"/>
         </a:p>
@@ -3177,7 +3467,7 @@
         </a:bodyPr>
         <a:lstStyle/>
         <a:p>
-          <a:pPr marL="0" lvl="0" indent="0" algn="ctr" defTabSz="933450" latinLnBrk="1">
+          <a:pPr lvl="0" algn="ctr" defTabSz="933450" latinLnBrk="1">
             <a:lnSpc>
               <a:spcPct val="90000"/>
             </a:lnSpc>
@@ -3187,7 +3477,6 @@
             <a:spcAft>
               <a:spcPct val="35000"/>
             </a:spcAft>
-            <a:buNone/>
           </a:pPr>
           <a:r>
             <a:rPr lang="ko-KR" altLang="en-US" sz="2100" kern="1200" dirty="0"/>
@@ -3261,7 +3550,7 @@
         </a:bodyPr>
         <a:lstStyle/>
         <a:p>
-          <a:pPr marL="0" lvl="0" indent="0" algn="ctr" defTabSz="222250" latinLnBrk="1">
+          <a:pPr lvl="0" algn="ctr" defTabSz="222250" latinLnBrk="1">
             <a:lnSpc>
               <a:spcPct val="90000"/>
             </a:lnSpc>
@@ -3271,7 +3560,6 @@
             <a:spcAft>
               <a:spcPct val="35000"/>
             </a:spcAft>
-            <a:buNone/>
           </a:pPr>
           <a:endParaRPr lang="ko-KR" altLang="en-US" sz="500" kern="1200"/>
         </a:p>
@@ -3339,7 +3627,7 @@
         </a:bodyPr>
         <a:lstStyle/>
         <a:p>
-          <a:pPr marL="0" lvl="0" indent="0" algn="ctr" defTabSz="933450" latinLnBrk="1">
+          <a:pPr lvl="0" algn="ctr" defTabSz="933450" latinLnBrk="1">
             <a:lnSpc>
               <a:spcPct val="90000"/>
             </a:lnSpc>
@@ -3349,7 +3637,6 @@
             <a:spcAft>
               <a:spcPct val="35000"/>
             </a:spcAft>
-            <a:buNone/>
           </a:pPr>
           <a:r>
             <a:rPr lang="ko-KR" altLang="en-US" sz="2100" kern="1200" dirty="0"/>
@@ -3423,7 +3710,7 @@
         </a:bodyPr>
         <a:lstStyle/>
         <a:p>
-          <a:pPr marL="0" lvl="0" indent="0" algn="ctr" defTabSz="311150" latinLnBrk="1">
+          <a:pPr lvl="0" algn="ctr" defTabSz="311150" latinLnBrk="1">
             <a:lnSpc>
               <a:spcPct val="90000"/>
             </a:lnSpc>
@@ -3433,7 +3720,6 @@
             <a:spcAft>
               <a:spcPct val="35000"/>
             </a:spcAft>
-            <a:buNone/>
           </a:pPr>
           <a:endParaRPr lang="ko-KR" altLang="en-US" sz="700" kern="1200"/>
         </a:p>
@@ -3501,7 +3787,7 @@
         </a:bodyPr>
         <a:lstStyle/>
         <a:p>
-          <a:pPr marL="0" lvl="0" indent="0" algn="ctr" defTabSz="933450" latinLnBrk="1">
+          <a:pPr lvl="0" algn="ctr" defTabSz="933450" latinLnBrk="1">
             <a:lnSpc>
               <a:spcPct val="90000"/>
             </a:lnSpc>
@@ -3511,7 +3797,6 @@
             <a:spcAft>
               <a:spcPct val="35000"/>
             </a:spcAft>
-            <a:buNone/>
           </a:pPr>
           <a:r>
             <a:rPr lang="ko-KR" altLang="en-US" sz="2100" kern="1200" dirty="0"/>
@@ -3585,7 +3870,7 @@
         </a:bodyPr>
         <a:lstStyle/>
         <a:p>
-          <a:pPr marL="0" lvl="0" indent="0" algn="ctr" defTabSz="222250" latinLnBrk="1">
+          <a:pPr lvl="0" algn="ctr" defTabSz="222250" latinLnBrk="1">
             <a:lnSpc>
               <a:spcPct val="90000"/>
             </a:lnSpc>
@@ -3595,7 +3880,6 @@
             <a:spcAft>
               <a:spcPct val="35000"/>
             </a:spcAft>
-            <a:buNone/>
           </a:pPr>
           <a:endParaRPr lang="ko-KR" altLang="en-US" sz="500" kern="1200"/>
         </a:p>
@@ -3663,7 +3947,7 @@
         </a:bodyPr>
         <a:lstStyle/>
         <a:p>
-          <a:pPr marL="0" lvl="0" indent="0" algn="ctr" defTabSz="933450" latinLnBrk="1">
+          <a:pPr lvl="0" algn="ctr" defTabSz="933450" latinLnBrk="1">
             <a:lnSpc>
               <a:spcPct val="90000"/>
             </a:lnSpc>
@@ -3673,7 +3957,6 @@
             <a:spcAft>
               <a:spcPct val="35000"/>
             </a:spcAft>
-            <a:buNone/>
           </a:pPr>
           <a:r>
             <a:rPr lang="ko-KR" altLang="en-US" sz="2100" kern="1200" dirty="0"/>
@@ -3747,7 +4030,7 @@
         </a:bodyPr>
         <a:lstStyle/>
         <a:p>
-          <a:pPr marL="0" lvl="0" indent="0" algn="ctr" defTabSz="222250" latinLnBrk="1">
+          <a:pPr lvl="0" algn="ctr" defTabSz="222250" latinLnBrk="1">
             <a:lnSpc>
               <a:spcPct val="90000"/>
             </a:lnSpc>
@@ -3757,7 +4040,6 @@
             <a:spcAft>
               <a:spcPct val="35000"/>
             </a:spcAft>
-            <a:buNone/>
           </a:pPr>
           <a:endParaRPr lang="ko-KR" altLang="en-US" sz="500" kern="1200"/>
         </a:p>
@@ -3825,7 +4107,7 @@
         </a:bodyPr>
         <a:lstStyle/>
         <a:p>
-          <a:pPr marL="0" lvl="0" indent="0" algn="ctr" defTabSz="933450" latinLnBrk="1">
+          <a:pPr lvl="0" algn="ctr" defTabSz="933450" latinLnBrk="1">
             <a:lnSpc>
               <a:spcPct val="90000"/>
             </a:lnSpc>
@@ -3835,7 +4117,6 @@
             <a:spcAft>
               <a:spcPct val="35000"/>
             </a:spcAft>
-            <a:buNone/>
           </a:pPr>
           <a:r>
             <a:rPr lang="ko-KR" altLang="en-US" sz="2100" kern="1200" dirty="0"/>
@@ -3909,7 +4190,7 @@
         </a:bodyPr>
         <a:lstStyle/>
         <a:p>
-          <a:pPr marL="0" lvl="0" indent="0" algn="ctr" defTabSz="222250" latinLnBrk="1">
+          <a:pPr lvl="0" algn="ctr" defTabSz="222250" latinLnBrk="1">
             <a:lnSpc>
               <a:spcPct val="90000"/>
             </a:lnSpc>
@@ -3919,7 +4200,6 @@
             <a:spcAft>
               <a:spcPct val="35000"/>
             </a:spcAft>
-            <a:buNone/>
           </a:pPr>
           <a:endParaRPr lang="ko-KR" altLang="en-US" sz="500" kern="1200"/>
         </a:p>
@@ -3987,7 +4267,7 @@
         </a:bodyPr>
         <a:lstStyle/>
         <a:p>
-          <a:pPr marL="0" lvl="0" indent="0" algn="ctr" defTabSz="933450" latinLnBrk="1">
+          <a:pPr lvl="0" algn="ctr" defTabSz="933450" latinLnBrk="1">
             <a:lnSpc>
               <a:spcPct val="90000"/>
             </a:lnSpc>
@@ -3997,7 +4277,6 @@
             <a:spcAft>
               <a:spcPct val="35000"/>
             </a:spcAft>
-            <a:buNone/>
           </a:pPr>
           <a:r>
             <a:rPr lang="ko-KR" altLang="en-US" sz="2100" kern="1200" dirty="0"/>
@@ -8292,6 +8571,13 @@
   <p:clrMapOvr>
     <a:masterClrMapping/>
   </p:clrMapOvr>
+  <p:timing>
+    <p:tnLst>
+      <p:par>
+        <p:cTn id="1" dur="indefinite" restart="never" nodeType="tmRoot"/>
+      </p:par>
+    </p:tnLst>
+  </p:timing>
 </p:sld>
 </file>
 
@@ -8365,7 +8651,7 @@
           <p:cNvPr id="2" name="다이어그램 1">
             <a:extLst>
               <a:ext uri="{FF2B5EF4-FFF2-40B4-BE49-F238E27FC236}">
-                <a16:creationId xmlns:a16="http://schemas.microsoft.com/office/drawing/2014/main" id="{1AC64850-6DEF-4384-8124-D5E8E3EC0EF6}"/>
+                <a16:creationId xmlns:a16="http://schemas.microsoft.com/office/drawing/2014/main" xmlns="" id="{1AC64850-6DEF-4384-8124-D5E8E3EC0EF6}"/>
               </a:ext>
             </a:extLst>
           </p:cNvPr>
@@ -8393,14 +8679,14 @@
   <p:clrMapOvr>
     <a:masterClrMapping/>
   </p:clrMapOvr>
-  <mc:AlternateContent xmlns:mc="http://schemas.openxmlformats.org/markup-compatibility/2006" xmlns:p14="http://schemas.microsoft.com/office/powerpoint/2010/main">
-    <mc:Choice Requires="p14">
-      <p:transition/>
-    </mc:Choice>
-    <mc:Fallback xmlns="" xmlns:c="http://schemas.openxmlformats.org/drawingml/2006/chart" xmlns:dgm="http://schemas.openxmlformats.org/drawingml/2006/diagram" xmlns:dsp="http://schemas.microsoft.com/office/drawing/2008/diagram">
-      <p:transition/>
-    </mc:Fallback>
-  </mc:AlternateContent>
+  <p:transition/>
+  <p:timing>
+    <p:tnLst>
+      <p:par>
+        <p:cTn id="1" dur="indefinite" restart="never" nodeType="tmRoot"/>
+      </p:par>
+    </p:tnLst>
+  </p:timing>
 </p:sld>
 </file>
 
@@ -8497,7 +8783,7 @@
           <p:cNvPr id="6" name="Accept">
             <a:extLst>
               <a:ext uri="{FF2B5EF4-FFF2-40B4-BE49-F238E27FC236}">
-                <a16:creationId xmlns:a16="http://schemas.microsoft.com/office/drawing/2014/main" id="{0A95AB7C-1F55-4305-89F7-6BA0CB157311}"/>
+                <a16:creationId xmlns:a16="http://schemas.microsoft.com/office/drawing/2014/main" xmlns="" id="{0A95AB7C-1F55-4305-89F7-6BA0CB157311}"/>
               </a:ext>
             </a:extLst>
           </p:cNvPr>
@@ -8508,7 +8794,7 @@
         </p:nvSpPr>
         <p:spPr bwMode="auto">
           <a:xfrm>
-            <a:off x="1115616" y="836712"/>
+            <a:off x="895134" y="836712"/>
             <a:ext cx="440963" cy="391353"/>
           </a:xfrm>
           <a:custGeom>
@@ -8749,7 +9035,7 @@
           <p:cNvPr id="15" name="그림 14">
             <a:extLst>
               <a:ext uri="{FF2B5EF4-FFF2-40B4-BE49-F238E27FC236}">
-                <a16:creationId xmlns:a16="http://schemas.microsoft.com/office/drawing/2014/main" id="{BF1ECA24-9DD7-48CF-AB99-829D3BBE4BD4}"/>
+                <a16:creationId xmlns:a16="http://schemas.microsoft.com/office/drawing/2014/main" xmlns="" id="{BF1ECA24-9DD7-48CF-AB99-829D3BBE4BD4}"/>
               </a:ext>
             </a:extLst>
           </p:cNvPr>
@@ -8784,7 +9070,7 @@
           <p:cNvPr id="16" name="Arrow Down (2)">
             <a:extLst>
               <a:ext uri="{FF2B5EF4-FFF2-40B4-BE49-F238E27FC236}">
-                <a16:creationId xmlns:a16="http://schemas.microsoft.com/office/drawing/2014/main" id="{4C54C290-2491-4239-82DD-470DE6BC8FBD}"/>
+                <a16:creationId xmlns:a16="http://schemas.microsoft.com/office/drawing/2014/main" xmlns="" id="{4C54C290-2491-4239-82DD-470DE6BC8FBD}"/>
               </a:ext>
             </a:extLst>
           </p:cNvPr>
@@ -9143,14 +9429,14 @@
   <p:clrMapOvr>
     <a:masterClrMapping/>
   </p:clrMapOvr>
-  <mc:AlternateContent xmlns:mc="http://schemas.openxmlformats.org/markup-compatibility/2006" xmlns:p14="http://schemas.microsoft.com/office/powerpoint/2010/main">
-    <mc:Choice Requires="p14">
-      <p:transition/>
-    </mc:Choice>
-    <mc:Fallback xmlns:dsp="http://schemas.microsoft.com/office/drawing/2008/diagram" xmlns:dgm="http://schemas.openxmlformats.org/drawingml/2006/diagram" xmlns:c="http://schemas.openxmlformats.org/drawingml/2006/chart" xmlns="">
-      <p:transition/>
-    </mc:Fallback>
-  </mc:AlternateContent>
+  <p:transition/>
+  <p:timing>
+    <p:tnLst>
+      <p:par>
+        <p:cTn id="1" dur="indefinite" restart="never" nodeType="tmRoot"/>
+      </p:par>
+    </p:tnLst>
+  </p:timing>
 </p:sld>
 </file>
 
@@ -9176,7 +9462,7 @@
           <p:cNvPr id="7" name="그림 6">
             <a:extLst>
               <a:ext uri="{FF2B5EF4-FFF2-40B4-BE49-F238E27FC236}">
-                <a16:creationId xmlns:a16="http://schemas.microsoft.com/office/drawing/2014/main" id="{1D31BDD0-E899-4E25-8263-BC9ACDC4338C}"/>
+                <a16:creationId xmlns:a16="http://schemas.microsoft.com/office/drawing/2014/main" xmlns="" id="{1D31BDD0-E899-4E25-8263-BC9ACDC4338C}"/>
               </a:ext>
             </a:extLst>
           </p:cNvPr>
@@ -9253,7 +9539,7 @@
           <p:cNvPr id="6" name="Accept">
             <a:extLst>
               <a:ext uri="{FF2B5EF4-FFF2-40B4-BE49-F238E27FC236}">
-                <a16:creationId xmlns:a16="http://schemas.microsoft.com/office/drawing/2014/main" id="{0A95AB7C-1F55-4305-89F7-6BA0CB157311}"/>
+                <a16:creationId xmlns:a16="http://schemas.microsoft.com/office/drawing/2014/main" xmlns="" id="{0A95AB7C-1F55-4305-89F7-6BA0CB157311}"/>
               </a:ext>
             </a:extLst>
           </p:cNvPr>
@@ -9505,7 +9791,7 @@
           <p:cNvPr id="16" name="Arrow Down (2)">
             <a:extLst>
               <a:ext uri="{FF2B5EF4-FFF2-40B4-BE49-F238E27FC236}">
-                <a16:creationId xmlns:a16="http://schemas.microsoft.com/office/drawing/2014/main" id="{4C54C290-2491-4239-82DD-470DE6BC8FBD}"/>
+                <a16:creationId xmlns:a16="http://schemas.microsoft.com/office/drawing/2014/main" xmlns="" id="{4C54C290-2491-4239-82DD-470DE6BC8FBD}"/>
               </a:ext>
             </a:extLst>
           </p:cNvPr>
@@ -9864,7 +10150,7 @@
           <p:cNvPr id="4" name="그림 3">
             <a:extLst>
               <a:ext uri="{FF2B5EF4-FFF2-40B4-BE49-F238E27FC236}">
-                <a16:creationId xmlns:a16="http://schemas.microsoft.com/office/drawing/2014/main" id="{02D62160-1D5B-4932-BAA3-B0986AE0B04B}"/>
+                <a16:creationId xmlns:a16="http://schemas.microsoft.com/office/drawing/2014/main" xmlns="" id="{02D62160-1D5B-4932-BAA3-B0986AE0B04B}"/>
               </a:ext>
             </a:extLst>
           </p:cNvPr>
@@ -9904,14 +10190,14 @@
   <p:clrMapOvr>
     <a:masterClrMapping/>
   </p:clrMapOvr>
-  <mc:AlternateContent xmlns:mc="http://schemas.openxmlformats.org/markup-compatibility/2006" xmlns:p14="http://schemas.microsoft.com/office/powerpoint/2010/main">
-    <mc:Choice Requires="p14">
-      <p:transition/>
-    </mc:Choice>
-    <mc:Fallback xmlns:dsp="http://schemas.microsoft.com/office/drawing/2008/diagram" xmlns:dgm="http://schemas.openxmlformats.org/drawingml/2006/diagram" xmlns:c="http://schemas.openxmlformats.org/drawingml/2006/chart" xmlns="">
-      <p:transition/>
-    </mc:Fallback>
-  </mc:AlternateContent>
+  <p:transition/>
+  <p:timing>
+    <p:tnLst>
+      <p:par>
+        <p:cTn id="1" dur="indefinite" restart="never" nodeType="tmRoot"/>
+      </p:par>
+    </p:tnLst>
+  </p:timing>
 </p:sld>
 </file>
 
@@ -9932,6 +10218,29 @@
           <a:chExt cx="0" cy="0"/>
         </a:xfrm>
       </p:grpSpPr>
+      <p:pic>
+        <p:nvPicPr>
+          <p:cNvPr id="5" name="그림 4"/>
+          <p:cNvPicPr>
+            <a:picLocks noChangeAspect="1"/>
+          </p:cNvPicPr>
+          <p:nvPr/>
+        </p:nvPicPr>
+        <p:blipFill rotWithShape="1">
+          <a:blip r:embed="rId2"/>
+          <a:srcRect l="17985" t="8000" r="22442" b="12200"/>
+          <a:stretch/>
+        </p:blipFill>
+        <p:spPr>
+          <a:xfrm>
+            <a:off x="432000" y="692696"/>
+            <a:ext cx="2880000" cy="5472608"/>
+          </a:xfrm>
+          <a:prstGeom prst="rect">
+            <a:avLst/>
+          </a:prstGeom>
+        </p:spPr>
+      </p:pic>
       <p:sp>
         <p:nvSpPr>
           <p:cNvPr id="3" name="제목 12"/>
@@ -9985,7 +10294,7 @@
           <p:cNvPr id="6" name="Accept">
             <a:extLst>
               <a:ext uri="{FF2B5EF4-FFF2-40B4-BE49-F238E27FC236}">
-                <a16:creationId xmlns:a16="http://schemas.microsoft.com/office/drawing/2014/main" id="{0A95AB7C-1F55-4305-89F7-6BA0CB157311}"/>
+                <a16:creationId xmlns:a16="http://schemas.microsoft.com/office/drawing/2014/main" xmlns="" id="{0A95AB7C-1F55-4305-89F7-6BA0CB157311}"/>
               </a:ext>
             </a:extLst>
           </p:cNvPr>
@@ -9996,7 +10305,7 @@
         </p:nvSpPr>
         <p:spPr bwMode="auto">
           <a:xfrm>
-            <a:off x="1115616" y="836712"/>
+            <a:off x="2483768" y="836712"/>
             <a:ext cx="440963" cy="391353"/>
           </a:xfrm>
           <a:custGeom>
@@ -10237,7 +10546,7 @@
           <p:cNvPr id="16" name="Arrow Down (2)">
             <a:extLst>
               <a:ext uri="{FF2B5EF4-FFF2-40B4-BE49-F238E27FC236}">
-                <a16:creationId xmlns:a16="http://schemas.microsoft.com/office/drawing/2014/main" id="{4C54C290-2491-4239-82DD-470DE6BC8FBD}"/>
+                <a16:creationId xmlns:a16="http://schemas.microsoft.com/office/drawing/2014/main" xmlns="" id="{4C54C290-2491-4239-82DD-470DE6BC8FBD}"/>
               </a:ext>
             </a:extLst>
           </p:cNvPr>
@@ -10591,6 +10900,45 @@
           </a:p>
         </p:txBody>
       </p:sp>
+      <p:pic>
+        <p:nvPicPr>
+          <p:cNvPr id="1026" name="Picture 2" descr="C:\Users\504-10\Downloads\KakaoTalk_20211209_225430714.jpg"/>
+          <p:cNvPicPr>
+            <a:picLocks noChangeAspect="1" noChangeArrowheads="1"/>
+          </p:cNvPicPr>
+          <p:nvPr/>
+        </p:nvPicPr>
+        <p:blipFill rotWithShape="1">
+          <a:blip r:embed="rId3">
+            <a:extLst>
+              <a:ext uri="{28A0092B-C50C-407E-A947-70E740481C1C}">
+                <a14:useLocalDpi xmlns:a14="http://schemas.microsoft.com/office/drawing/2010/main" val="0"/>
+              </a:ext>
+            </a:extLst>
+          </a:blip>
+          <a:srcRect l="17982" t="8240" r="22450" b="11970"/>
+          <a:stretch/>
+        </p:blipFill>
+        <p:spPr bwMode="auto">
+          <a:xfrm>
+            <a:off x="5436096" y="648000"/>
+            <a:ext cx="2880000" cy="5472000"/>
+          </a:xfrm>
+          <a:prstGeom prst="rect">
+            <a:avLst/>
+          </a:prstGeom>
+          <a:noFill/>
+          <a:extLst>
+            <a:ext uri="{909E8E84-426E-40DD-AFC4-6F175D3DCCD1}">
+              <a14:hiddenFill xmlns:a14="http://schemas.microsoft.com/office/drawing/2010/main">
+                <a:solidFill>
+                  <a:srgbClr val="FFFFFF"/>
+                </a:solidFill>
+              </a14:hiddenFill>
+            </a:ext>
+          </a:extLst>
+        </p:spPr>
+      </p:pic>
     </p:spTree>
     <p:extLst>
       <p:ext uri="{BB962C8B-B14F-4D97-AF65-F5344CB8AC3E}">
@@ -10601,14 +10949,14 @@
   <p:clrMapOvr>
     <a:masterClrMapping/>
   </p:clrMapOvr>
-  <mc:AlternateContent xmlns:mc="http://schemas.openxmlformats.org/markup-compatibility/2006" xmlns:p14="http://schemas.microsoft.com/office/powerpoint/2010/main">
-    <mc:Choice Requires="p14">
-      <p:transition/>
-    </mc:Choice>
-    <mc:Fallback xmlns:dsp="http://schemas.microsoft.com/office/drawing/2008/diagram" xmlns:dgm="http://schemas.openxmlformats.org/drawingml/2006/diagram" xmlns:c="http://schemas.openxmlformats.org/drawingml/2006/chart" xmlns="">
-      <p:transition/>
-    </mc:Fallback>
-  </mc:AlternateContent>
+  <p:transition/>
+  <p:timing>
+    <p:tnLst>
+      <p:par>
+        <p:cTn id="1" dur="indefinite" restart="never" nodeType="tmRoot"/>
+      </p:par>
+    </p:tnLst>
+  </p:timing>
 </p:sld>
 </file>
 
@@ -10655,7 +11003,7 @@
     </a:clrScheme>
     <a:fontScheme name="Office 테마">
       <a:majorFont>
-        <a:latin typeface="Calibri Light" panose="20000000000000000000"/>
+        <a:latin typeface="Calibri Light"/>
         <a:ea typeface=""/>
         <a:cs typeface=""/>
         <a:font script="Jpan" typeface="Yu Gothic Light"/>
@@ -10690,7 +11038,7 @@
         <a:font script="Geor" typeface="Sylfaen"/>
       </a:majorFont>
       <a:minorFont>
-        <a:latin typeface="Calibri" panose="20000000000000000000"/>
+        <a:latin typeface="Calibri"/>
         <a:ea typeface=""/>
         <a:cs typeface=""/>
         <a:font script="Jpan" typeface="Yu Gothic"/>
